--- a/Slides/AZ-104T00A-ENU-PowerPoint_02 - done.pptx
+++ b/Slides/AZ-104T00A-ENU-PowerPoint_02 - done.pptx
@@ -5,10 +5,10 @@
     <p:sldMasterId id="2147484551" r:id="rId1"/>
   </p:sldMasterIdLst>
   <p:notesMasterIdLst>
-    <p:notesMasterId r:id="rId64"/>
+    <p:notesMasterId r:id="rId63"/>
   </p:notesMasterIdLst>
   <p:handoutMasterIdLst>
-    <p:handoutMasterId r:id="rId65"/>
+    <p:handoutMasterId r:id="rId64"/>
   </p:handoutMasterIdLst>
   <p:sldIdLst>
     <p:sldId id="1719" r:id="rId2"/>
@@ -54,25 +54,24 @@
     <p:sldId id="1899" r:id="rId42"/>
     <p:sldId id="2601" r:id="rId43"/>
     <p:sldId id="1906" r:id="rId44"/>
-    <p:sldId id="2602" r:id="rId45"/>
-    <p:sldId id="2605" r:id="rId46"/>
-    <p:sldId id="2603" r:id="rId47"/>
-    <p:sldId id="2604" r:id="rId48"/>
-    <p:sldId id="2606" r:id="rId49"/>
-    <p:sldId id="2578" r:id="rId50"/>
-    <p:sldId id="2607" r:id="rId51"/>
-    <p:sldId id="1905" r:id="rId52"/>
-    <p:sldId id="2608" r:id="rId53"/>
-    <p:sldId id="1966" r:id="rId54"/>
-    <p:sldId id="2584" r:id="rId55"/>
-    <p:sldId id="2007" r:id="rId56"/>
-    <p:sldId id="2571" r:id="rId57"/>
-    <p:sldId id="2581" r:id="rId58"/>
-    <p:sldId id="2572" r:id="rId59"/>
-    <p:sldId id="2582" r:id="rId60"/>
-    <p:sldId id="1907" r:id="rId61"/>
-    <p:sldId id="2588" r:id="rId62"/>
-    <p:sldId id="2580" r:id="rId63"/>
+    <p:sldId id="2605" r:id="rId45"/>
+    <p:sldId id="2603" r:id="rId46"/>
+    <p:sldId id="2604" r:id="rId47"/>
+    <p:sldId id="2606" r:id="rId48"/>
+    <p:sldId id="2578" r:id="rId49"/>
+    <p:sldId id="2607" r:id="rId50"/>
+    <p:sldId id="1905" r:id="rId51"/>
+    <p:sldId id="2608" r:id="rId52"/>
+    <p:sldId id="1966" r:id="rId53"/>
+    <p:sldId id="2584" r:id="rId54"/>
+    <p:sldId id="2007" r:id="rId55"/>
+    <p:sldId id="2571" r:id="rId56"/>
+    <p:sldId id="2581" r:id="rId57"/>
+    <p:sldId id="2572" r:id="rId58"/>
+    <p:sldId id="2582" r:id="rId59"/>
+    <p:sldId id="1907" r:id="rId60"/>
+    <p:sldId id="2588" r:id="rId61"/>
+    <p:sldId id="2580" r:id="rId62"/>
   </p:sldIdLst>
   <p:sldSz cx="12436475" cy="6994525"/>
   <p:notesSz cx="6858000" cy="9144000"/>
@@ -231,7 +230,6 @@
             <p14:sldId id="1899"/>
             <p14:sldId id="2601"/>
             <p14:sldId id="1906"/>
-            <p14:sldId id="2602"/>
             <p14:sldId id="2605"/>
             <p14:sldId id="2603"/>
             <p14:sldId id="2604"/>
@@ -381,7 +379,7 @@
               <a:rPr lang="en-US" smtClean="0">
                 <a:latin typeface="Segoe UI" pitchFamily="34" charset="0"/>
               </a:rPr>
-              <a:t>11/25/2022 3:09 PM</a:t>
+              <a:t>12/12/2022 6:59 AM</a:t>
             </a:fld>
             <a:endParaRPr lang="en-US">
               <a:latin typeface="Segoe UI" pitchFamily="34" charset="0"/>
@@ -659,7 +657,7 @@
           <a:p>
             <a:fld id="{DCE60099-03E7-4FA1-8A7F-E6E6CFB0F855}" type="datetime8">
               <a:rPr lang="en-US" smtClean="0"/>
-              <a:t>11/25/2022 3:08 PM</a:t>
+              <a:t>12/12/2022 6:49 AM</a:t>
             </a:fld>
             <a:endParaRPr lang="en-US"/>
           </a:p>
@@ -1125,7 +1123,7 @@
                 <a:tabLst/>
                 <a:defRPr/>
               </a:pPr>
-              <a:t>11/25/2022 3:08 PM</a:t>
+              <a:t>12/12/2022 6:49 AM</a:t>
             </a:fld>
             <a:endParaRPr kumimoji="0" lang="en-US" sz="1200" b="0" i="0" u="none" strike="noStrike" kern="1200" cap="none" spc="0" normalizeH="0" baseline="0" noProof="0">
               <a:ln>
@@ -1398,7 +1396,7 @@
           <a:p>
             <a:fld id="{72E0C910-0166-48E0-B8EF-5071277A02A8}" type="datetime8">
               <a:rPr lang="en-US" smtClean="0"/>
-              <a:t>11/25/2022 3:08 PM</a:t>
+              <a:t>12/12/2022 6:49 AM</a:t>
             </a:fld>
             <a:endParaRPr lang="en-US"/>
           </a:p>
@@ -1596,7 +1594,7 @@
           <a:p>
             <a:fld id="{9427A7F7-BB1E-479D-AFAA-B52F4D0C99F2}" type="datetime8">
               <a:rPr lang="en-US" smtClean="0"/>
-              <a:t>11/25/2022 3:08 PM</a:t>
+              <a:t>12/12/2022 6:49 AM</a:t>
             </a:fld>
             <a:endParaRPr lang="en-US"/>
           </a:p>
@@ -2388,7 +2386,7 @@
           <a:p>
             <a:fld id="{9427A7F7-BB1E-479D-AFAA-B52F4D0C99F2}" type="datetime8">
               <a:rPr lang="en-US" smtClean="0"/>
-              <a:t>11/25/2022 3:08 PM</a:t>
+              <a:t>12/12/2022 6:49 AM</a:t>
             </a:fld>
             <a:endParaRPr lang="en-US"/>
           </a:p>
@@ -3096,7 +3094,7 @@
           <a:p>
             <a:fld id="{386CE63F-9E7F-4C04-9D0D-FCA25A8E9E86}" type="datetime8">
               <a:rPr lang="en-US" smtClean="0"/>
-              <a:t>11/25/2022 7:36 PM</a:t>
+              <a:t>12/12/2022 6:49 AM</a:t>
             </a:fld>
             <a:endParaRPr lang="en-US"/>
           </a:p>
@@ -3521,7 +3519,7 @@
           <a:p>
             <a:fld id="{9427A7F7-BB1E-479D-AFAA-B52F4D0C99F2}" type="datetime8">
               <a:rPr lang="en-US" smtClean="0"/>
-              <a:t>11/25/2022 3:08 PM</a:t>
+              <a:t>12/12/2022 6:49 AM</a:t>
             </a:fld>
             <a:endParaRPr lang="en-US"/>
           </a:p>
@@ -3956,7 +3954,7 @@
           <a:p>
             <a:fld id="{9427A7F7-BB1E-479D-AFAA-B52F4D0C99F2}" type="datetime8">
               <a:rPr lang="en-US" smtClean="0"/>
-              <a:t>11/25/2022 3:08 PM</a:t>
+              <a:t>12/12/2022 6:49 AM</a:t>
             </a:fld>
             <a:endParaRPr lang="en-US"/>
           </a:p>
@@ -4154,7 +4152,7 @@
           <a:p>
             <a:fld id="{386CE63F-9E7F-4C04-9D0D-FCA25A8E9E86}" type="datetime8">
               <a:rPr lang="en-US" smtClean="0"/>
-              <a:t>11/25/2022 3:08 PM</a:t>
+              <a:t>12/12/2022 6:49 AM</a:t>
             </a:fld>
             <a:endParaRPr lang="en-US"/>
           </a:p>
@@ -4329,7 +4327,7 @@
           <a:p>
             <a:fld id="{9427A7F7-BB1E-479D-AFAA-B52F4D0C99F2}" type="datetime8">
               <a:rPr lang="en-US" smtClean="0"/>
-              <a:t>11/25/2022 3:08 PM</a:t>
+              <a:t>12/12/2022 6:49 AM</a:t>
             </a:fld>
             <a:endParaRPr lang="en-US"/>
           </a:p>
@@ -4510,7 +4508,7 @@
           <a:p>
             <a:fld id="{9427A7F7-BB1E-479D-AFAA-B52F4D0C99F2}" type="datetime8">
               <a:rPr lang="en-US" smtClean="0"/>
-              <a:t>11/25/2022 3:08 PM</a:t>
+              <a:t>12/12/2022 6:49 AM</a:t>
             </a:fld>
             <a:endParaRPr lang="en-US"/>
           </a:p>
@@ -4888,7 +4886,7 @@
           <a:p>
             <a:fld id="{386CE63F-9E7F-4C04-9D0D-FCA25A8E9E86}" type="datetime8">
               <a:rPr lang="en-US" smtClean="0"/>
-              <a:t>11/25/2022 3:08 PM</a:t>
+              <a:t>12/12/2022 6:49 AM</a:t>
             </a:fld>
             <a:endParaRPr lang="en-US"/>
           </a:p>
@@ -5259,7 +5257,7 @@
           <a:p>
             <a:fld id="{386CE63F-9E7F-4C04-9D0D-FCA25A8E9E86}" type="datetime8">
               <a:rPr lang="en-US" smtClean="0"/>
-              <a:t>11/25/2022 3:08 PM</a:t>
+              <a:t>12/12/2022 6:49 AM</a:t>
             </a:fld>
             <a:endParaRPr lang="en-US"/>
           </a:p>
@@ -5436,7 +5434,7 @@
           <a:p>
             <a:fld id="{386CE63F-9E7F-4C04-9D0D-FCA25A8E9E86}" type="datetime8">
               <a:rPr lang="en-US" smtClean="0"/>
-              <a:t>11/25/2022 3:08 PM</a:t>
+              <a:t>12/12/2022 6:49 AM</a:t>
             </a:fld>
             <a:endParaRPr lang="en-US"/>
           </a:p>
@@ -5628,177 +5626,6 @@
           <a:bodyPr/>
           <a:lstStyle/>
           <a:p>
-            <a:pPr algn="l"/>
-            <a:r>
-              <a:rPr lang="en-GB" b="0" i="0" dirty="0">
-                <a:solidFill>
-                  <a:srgbClr val="171717"/>
-                </a:solidFill>
-                <a:effectLst/>
-                <a:latin typeface="Segoe UI" panose="020B0502040204020203" pitchFamily="34" charset="0"/>
-              </a:rPr>
-              <a:t>The </a:t>
-            </a:r>
-            <a:r>
-              <a:rPr lang="en-GB" b="0" i="1" dirty="0">
-                <a:solidFill>
-                  <a:srgbClr val="171717"/>
-                </a:solidFill>
-                <a:effectLst/>
-                <a:latin typeface="Segoe UI" panose="020B0502040204020203" pitchFamily="34" charset="0"/>
-              </a:rPr>
-              <a:t>Actions</a:t>
-            </a:r>
-            <a:r>
-              <a:rPr lang="en-GB" b="0" i="0" dirty="0">
-                <a:solidFill>
-                  <a:srgbClr val="171717"/>
-                </a:solidFill>
-                <a:effectLst/>
-                <a:latin typeface="Segoe UI" panose="020B0502040204020203" pitchFamily="34" charset="0"/>
-              </a:rPr>
-              <a:t> permissions show the </a:t>
-            </a:r>
-            <a:r>
-              <a:rPr lang="en-GB" b="0" i="1" dirty="0">
-                <a:solidFill>
-                  <a:srgbClr val="171717"/>
-                </a:solidFill>
-                <a:effectLst/>
-                <a:latin typeface="Segoe UI" panose="020B0502040204020203" pitchFamily="34" charset="0"/>
-              </a:rPr>
-              <a:t>Contributor</a:t>
-            </a:r>
-            <a:r>
-              <a:rPr lang="en-GB" b="0" i="0" dirty="0">
-                <a:solidFill>
-                  <a:srgbClr val="171717"/>
-                </a:solidFill>
-                <a:effectLst/>
-                <a:latin typeface="Segoe UI" panose="020B0502040204020203" pitchFamily="34" charset="0"/>
-              </a:rPr>
-              <a:t> role has all action privileges. The asterisk "*" wildcard means "all." The </a:t>
-            </a:r>
-            <a:r>
-              <a:rPr lang="en-GB" b="0" i="1" dirty="0">
-                <a:solidFill>
-                  <a:srgbClr val="171717"/>
-                </a:solidFill>
-                <a:effectLst/>
-                <a:latin typeface="Segoe UI" panose="020B0502040204020203" pitchFamily="34" charset="0"/>
-              </a:rPr>
-              <a:t>NotActions</a:t>
-            </a:r>
-            <a:r>
-              <a:rPr lang="en-GB" b="0" i="0" dirty="0">
-                <a:solidFill>
-                  <a:srgbClr val="171717"/>
-                </a:solidFill>
-                <a:effectLst/>
-                <a:latin typeface="Segoe UI" panose="020B0502040204020203" pitchFamily="34" charset="0"/>
-              </a:rPr>
-              <a:t> permissions narrow the privileges provided by the </a:t>
-            </a:r>
-            <a:r>
-              <a:rPr lang="en-GB" b="0" i="1" dirty="0">
-                <a:solidFill>
-                  <a:srgbClr val="171717"/>
-                </a:solidFill>
-                <a:effectLst/>
-                <a:latin typeface="Segoe UI" panose="020B0502040204020203" pitchFamily="34" charset="0"/>
-              </a:rPr>
-              <a:t>Actions</a:t>
-            </a:r>
-            <a:r>
-              <a:rPr lang="en-GB" b="0" i="0" dirty="0">
-                <a:solidFill>
-                  <a:srgbClr val="171717"/>
-                </a:solidFill>
-                <a:effectLst/>
-                <a:latin typeface="Segoe UI" panose="020B0502040204020203" pitchFamily="34" charset="0"/>
-              </a:rPr>
-              <a:t> set, and deny three actions:</a:t>
-            </a:r>
-          </a:p>
-          <a:p>
-            <a:pPr algn="l"/>
-            <a:endParaRPr lang="en-GB" b="0" i="0" dirty="0">
-              <a:solidFill>
-                <a:srgbClr val="171717"/>
-              </a:solidFill>
-              <a:effectLst/>
-              <a:latin typeface="Segoe UI" panose="020B0502040204020203" pitchFamily="34" charset="0"/>
-            </a:endParaRPr>
-          </a:p>
-          <a:p>
-            <a:pPr algn="l">
-              <a:buFont typeface="Arial" panose="020B0604020202020204" pitchFamily="34" charset="0"/>
-              <a:buChar char="•"/>
-            </a:pPr>
-            <a:r>
-              <a:rPr lang="en-GB" b="0" i="0" dirty="0">
-                <a:solidFill>
-                  <a:srgbClr val="171717"/>
-                </a:solidFill>
-                <a:effectLst/>
-                <a:latin typeface="Segoe UI" panose="020B0502040204020203" pitchFamily="34" charset="0"/>
-              </a:rPr>
-              <a:t>Authorization/*/Delete: Not authorized to delete or remove for "all."</a:t>
-            </a:r>
-          </a:p>
-          <a:p>
-            <a:pPr algn="l">
-              <a:buFont typeface="Arial" panose="020B0604020202020204" pitchFamily="34" charset="0"/>
-              <a:buChar char="•"/>
-            </a:pPr>
-            <a:r>
-              <a:rPr lang="en-GB" b="0" i="0" dirty="0">
-                <a:solidFill>
-                  <a:srgbClr val="171717"/>
-                </a:solidFill>
-                <a:effectLst/>
-                <a:latin typeface="Segoe UI" panose="020B0502040204020203" pitchFamily="34" charset="0"/>
-              </a:rPr>
-              <a:t>Authorization/*/Write: Not authorized to write or change for "all."</a:t>
-            </a:r>
-          </a:p>
-          <a:p>
-            <a:pPr algn="l">
-              <a:buFont typeface="Arial" panose="020B0604020202020204" pitchFamily="34" charset="0"/>
-              <a:buChar char="•"/>
-            </a:pPr>
-            <a:r>
-              <a:rPr lang="en-GB" b="0" i="0" dirty="0">
-                <a:solidFill>
-                  <a:srgbClr val="171717"/>
-                </a:solidFill>
-                <a:effectLst/>
-                <a:latin typeface="Segoe UI" panose="020B0502040204020203" pitchFamily="34" charset="0"/>
-              </a:rPr>
-              <a:t>Authorization/</a:t>
-            </a:r>
-            <a:r>
-              <a:rPr lang="en-GB" b="0" i="0" dirty="0" err="1">
-                <a:solidFill>
-                  <a:srgbClr val="171717"/>
-                </a:solidFill>
-                <a:effectLst/>
-                <a:latin typeface="Segoe UI" panose="020B0502040204020203" pitchFamily="34" charset="0"/>
-              </a:rPr>
-              <a:t>elevateAccess</a:t>
-            </a:r>
-            <a:r>
-              <a:rPr lang="en-GB" b="0" i="0" dirty="0">
-                <a:solidFill>
-                  <a:srgbClr val="171717"/>
-                </a:solidFill>
-                <a:effectLst/>
-                <a:latin typeface="Segoe UI" panose="020B0502040204020203" pitchFamily="34" charset="0"/>
-              </a:rPr>
-              <a:t>/Action: Not authorized to increase the level or scope of access privileges.</a:t>
-            </a:r>
-          </a:p>
-          <a:p>
             <a:endParaRPr lang="en-GB" dirty="0"/>
           </a:p>
         </p:txBody>
@@ -5878,7 +5705,7 @@
             <a:fld id="{B4008EB6-D09E-4580-8CD6-DDB14511944F}" type="slidenum">
               <a:rPr lang="en-US" smtClean="0"/>
               <a:pPr/>
-              <a:t>44</a:t>
+              <a:t>45</a:t>
             </a:fld>
             <a:endParaRPr lang="en-US"/>
           </a:p>
@@ -5887,7 +5714,7 @@
     </p:spTree>
     <p:extLst>
       <p:ext uri="{BB962C8B-B14F-4D97-AF65-F5344CB8AC3E}">
-        <p14:creationId xmlns:p14="http://schemas.microsoft.com/office/powerpoint/2010/main" val="1776275273"/>
+        <p14:creationId xmlns:p14="http://schemas.microsoft.com/office/powerpoint/2010/main" val="2064139786"/>
       </p:ext>
     </p:extLst>
   </p:cSld>
@@ -5941,6 +5768,16 @@
           <a:bodyPr/>
           <a:lstStyle/>
           <a:p>
+            <a:r>
+              <a:rPr lang="en-GB" b="0" i="0" dirty="0">
+                <a:solidFill>
+                  <a:srgbClr val="171717"/>
+                </a:solidFill>
+                <a:effectLst/>
+                <a:latin typeface="Segoe UI" panose="020B0502040204020203" pitchFamily="34" charset="0"/>
+              </a:rPr>
+              <a:t>Consider the following example where a user is granted the Contributor role at the subscription scope and the Reader role on a resource group. The sum of the Contributor permissions and the Reader permissions is effectively the Contributor role for the subscription. Therefore, in this case, the Reader role assignment has no impact.</a:t>
+            </a:r>
             <a:endParaRPr lang="en-GB" dirty="0"/>
           </a:p>
         </p:txBody>
@@ -6029,7 +5866,7 @@
     </p:spTree>
     <p:extLst>
       <p:ext uri="{BB962C8B-B14F-4D97-AF65-F5344CB8AC3E}">
-        <p14:creationId xmlns:p14="http://schemas.microsoft.com/office/powerpoint/2010/main" val="2064139786"/>
+        <p14:creationId xmlns:p14="http://schemas.microsoft.com/office/powerpoint/2010/main" val="2184657066"/>
       </p:ext>
     </p:extLst>
   </p:cSld>
@@ -6083,6 +5920,7 @@
           <a:bodyPr/>
           <a:lstStyle/>
           <a:p>
+            <a:pPr algn="l"/>
             <a:r>
               <a:rPr lang="en-GB" b="0" i="0" dirty="0">
                 <a:solidFill>
@@ -6091,9 +5929,237 @@
                 <a:effectLst/>
                 <a:latin typeface="Segoe UI" panose="020B0502040204020203" pitchFamily="34" charset="0"/>
               </a:rPr>
-              <a:t>Consider the following example where a user is granted the Contributor role at the subscription scope and the Reader role on a resource group. The sum of the Contributor permissions and the Reader permissions is effectively the Contributor role for the subscription. Therefore, in this case, the Reader role assignment has no impact.</a:t>
-            </a:r>
-            <a:endParaRPr lang="en-GB" dirty="0"/>
+              <a:t>This scenario has the following access management configuration:</a:t>
+            </a:r>
+          </a:p>
+          <a:p>
+            <a:pPr algn="l"/>
+            <a:endParaRPr lang="en-GB" b="0" i="0" dirty="0">
+              <a:solidFill>
+                <a:srgbClr val="171717"/>
+              </a:solidFill>
+              <a:effectLst/>
+              <a:latin typeface="Segoe UI" panose="020B0502040204020203" pitchFamily="34" charset="0"/>
+            </a:endParaRPr>
+          </a:p>
+          <a:p>
+            <a:pPr algn="l">
+              <a:buFont typeface="Arial" panose="020B0604020202020204" pitchFamily="34" charset="0"/>
+              <a:buChar char="•"/>
+            </a:pPr>
+            <a:r>
+              <a:rPr lang="en-GB" b="0" i="0" dirty="0">
+                <a:solidFill>
+                  <a:srgbClr val="171717"/>
+                </a:solidFill>
+                <a:effectLst/>
+                <a:latin typeface="Segoe UI" panose="020B0502040204020203" pitchFamily="34" charset="0"/>
+              </a:rPr>
+              <a:t>Three security principals are supported: user, group, service principal.</a:t>
+            </a:r>
+          </a:p>
+          <a:p>
+            <a:pPr algn="l">
+              <a:buFont typeface="Arial" panose="020B0604020202020204" pitchFamily="34" charset="0"/>
+              <a:buChar char="•"/>
+            </a:pPr>
+            <a:r>
+              <a:rPr lang="en-GB" b="0" i="0" dirty="0">
+                <a:solidFill>
+                  <a:srgbClr val="171717"/>
+                </a:solidFill>
+                <a:effectLst/>
+                <a:latin typeface="Segoe UI" panose="020B0502040204020203" pitchFamily="34" charset="0"/>
+              </a:rPr>
+              <a:t>Six built-in roles are implemented, and two custom roles are defined: </a:t>
+            </a:r>
+            <a:r>
+              <a:rPr lang="en-GB" b="0" i="1" dirty="0">
+                <a:solidFill>
+                  <a:srgbClr val="171717"/>
+                </a:solidFill>
+                <a:effectLst/>
+                <a:latin typeface="Segoe UI" panose="020B0502040204020203" pitchFamily="34" charset="0"/>
+              </a:rPr>
+              <a:t>Reader Support Tickets</a:t>
+            </a:r>
+            <a:r>
+              <a:rPr lang="en-GB" b="0" i="0" dirty="0">
+                <a:solidFill>
+                  <a:srgbClr val="171717"/>
+                </a:solidFill>
+                <a:effectLst/>
+                <a:latin typeface="Segoe UI" panose="020B0502040204020203" pitchFamily="34" charset="0"/>
+              </a:rPr>
+              <a:t> and </a:t>
+            </a:r>
+            <a:r>
+              <a:rPr lang="en-GB" b="0" i="1" dirty="0">
+                <a:solidFill>
+                  <a:srgbClr val="171717"/>
+                </a:solidFill>
+                <a:effectLst/>
+                <a:latin typeface="Segoe UI" panose="020B0502040204020203" pitchFamily="34" charset="0"/>
+              </a:rPr>
+              <a:t>Virtual Machine Operator</a:t>
+            </a:r>
+            <a:r>
+              <a:rPr lang="en-GB" b="0" i="0" dirty="0">
+                <a:solidFill>
+                  <a:srgbClr val="171717"/>
+                </a:solidFill>
+                <a:effectLst/>
+                <a:latin typeface="Segoe UI" panose="020B0502040204020203" pitchFamily="34" charset="0"/>
+              </a:rPr>
+              <a:t>.</a:t>
+            </a:r>
+          </a:p>
+          <a:p>
+            <a:pPr algn="l">
+              <a:buFont typeface="Arial" panose="020B0604020202020204" pitchFamily="34" charset="0"/>
+              <a:buChar char="•"/>
+            </a:pPr>
+            <a:r>
+              <a:rPr lang="en-GB" b="0" i="0" dirty="0">
+                <a:solidFill>
+                  <a:srgbClr val="171717"/>
+                </a:solidFill>
+                <a:effectLst/>
+                <a:latin typeface="Segoe UI" panose="020B0502040204020203" pitchFamily="34" charset="0"/>
+              </a:rPr>
+              <a:t>The built-in </a:t>
+            </a:r>
+            <a:r>
+              <a:rPr lang="en-GB" b="0" i="1" dirty="0">
+                <a:solidFill>
+                  <a:srgbClr val="171717"/>
+                </a:solidFill>
+                <a:effectLst/>
+                <a:latin typeface="Segoe UI" panose="020B0502040204020203" pitchFamily="34" charset="0"/>
+              </a:rPr>
+              <a:t>Contributor</a:t>
+            </a:r>
+            <a:r>
+              <a:rPr lang="en-GB" b="0" i="0" dirty="0">
+                <a:solidFill>
+                  <a:srgbClr val="171717"/>
+                </a:solidFill>
+                <a:effectLst/>
+                <a:latin typeface="Segoe UI" panose="020B0502040204020203" pitchFamily="34" charset="0"/>
+              </a:rPr>
+              <a:t> role has two sets of permissions: </a:t>
+            </a:r>
+            <a:r>
+              <a:rPr lang="en-GB" b="0" i="1" dirty="0">
+                <a:solidFill>
+                  <a:srgbClr val="171717"/>
+                </a:solidFill>
+                <a:effectLst/>
+                <a:latin typeface="Segoe UI" panose="020B0502040204020203" pitchFamily="34" charset="0"/>
+              </a:rPr>
+              <a:t>Actions</a:t>
+            </a:r>
+            <a:r>
+              <a:rPr lang="en-GB" b="0" i="0" dirty="0">
+                <a:solidFill>
+                  <a:srgbClr val="171717"/>
+                </a:solidFill>
+                <a:effectLst/>
+                <a:latin typeface="Segoe UI" panose="020B0502040204020203" pitchFamily="34" charset="0"/>
+              </a:rPr>
+              <a:t> and </a:t>
+            </a:r>
+            <a:r>
+              <a:rPr lang="en-GB" b="0" i="1" dirty="0">
+                <a:solidFill>
+                  <a:srgbClr val="171717"/>
+                </a:solidFill>
+                <a:effectLst/>
+                <a:latin typeface="Segoe UI" panose="020B0502040204020203" pitchFamily="34" charset="0"/>
+              </a:rPr>
+              <a:t>NotActions</a:t>
+            </a:r>
+            <a:r>
+              <a:rPr lang="en-GB" b="0" i="0" dirty="0">
+                <a:solidFill>
+                  <a:srgbClr val="171717"/>
+                </a:solidFill>
+                <a:effectLst/>
+                <a:latin typeface="Segoe UI" panose="020B0502040204020203" pitchFamily="34" charset="0"/>
+              </a:rPr>
+              <a:t>.</a:t>
+            </a:r>
+          </a:p>
+          <a:p>
+            <a:pPr algn="l">
+              <a:buFont typeface="Arial" panose="020B0604020202020204" pitchFamily="34" charset="0"/>
+              <a:buChar char="•"/>
+            </a:pPr>
+            <a:r>
+              <a:rPr lang="en-GB" b="0" i="0" dirty="0">
+                <a:solidFill>
+                  <a:srgbClr val="171717"/>
+                </a:solidFill>
+                <a:effectLst/>
+                <a:latin typeface="Segoe UI" panose="020B0502040204020203" pitchFamily="34" charset="0"/>
+              </a:rPr>
+              <a:t>The </a:t>
+            </a:r>
+            <a:r>
+              <a:rPr lang="en-GB" b="0" i="1" dirty="0">
+                <a:solidFill>
+                  <a:srgbClr val="171717"/>
+                </a:solidFill>
+                <a:effectLst/>
+                <a:latin typeface="Segoe UI" panose="020B0502040204020203" pitchFamily="34" charset="0"/>
+              </a:rPr>
+              <a:t>Contributor</a:t>
+            </a:r>
+            <a:r>
+              <a:rPr lang="en-GB" b="0" i="0" dirty="0">
+                <a:solidFill>
+                  <a:srgbClr val="171717"/>
+                </a:solidFill>
+                <a:effectLst/>
+                <a:latin typeface="Segoe UI" panose="020B0502040204020203" pitchFamily="34" charset="0"/>
+              </a:rPr>
+              <a:t> role is assigned at different scopes to the Marketing group and Pharma-sales resource group:</a:t>
+            </a:r>
+          </a:p>
+          <a:p>
+            <a:pPr marL="742950" lvl="1" indent="-285750" algn="l">
+              <a:buFont typeface="Arial" panose="020B0604020202020204" pitchFamily="34" charset="0"/>
+              <a:buChar char="•"/>
+            </a:pPr>
+            <a:r>
+              <a:rPr lang="en-GB" b="0" i="0" dirty="0">
+                <a:solidFill>
+                  <a:srgbClr val="171717"/>
+                </a:solidFill>
+                <a:effectLst/>
+                <a:latin typeface="Segoe UI" panose="020B0502040204020203" pitchFamily="34" charset="0"/>
+              </a:rPr>
+              <a:t>Users in the Marketing group are granted access to create or manage any Azure resource in the Pharma-sales resource group.</a:t>
+            </a:r>
+          </a:p>
+          <a:p>
+            <a:pPr marL="742950" lvl="1" indent="-285750" algn="l">
+              <a:buFont typeface="Arial" panose="020B0604020202020204" pitchFamily="34" charset="0"/>
+              <a:buChar char="•"/>
+            </a:pPr>
+            <a:r>
+              <a:rPr lang="en-GB" b="0" i="0" dirty="0">
+                <a:solidFill>
+                  <a:srgbClr val="171717"/>
+                </a:solidFill>
+                <a:effectLst/>
+                <a:latin typeface="Segoe UI" panose="020B0502040204020203" pitchFamily="34" charset="0"/>
+              </a:rPr>
+              <a:t>Marketing users aren't granted access to resources outside the Pharma-sales resource group, unless they have another role assignment that grants them access to the resource group.</a:t>
+            </a:r>
+          </a:p>
+          <a:p>
+            <a:endParaRPr lang="en-US" baseline="0" dirty="0"/>
           </a:p>
         </p:txBody>
       </p:sp>
@@ -6104,7 +6170,7 @@
             <a:spLocks noGrp="1"/>
           </p:cNvSpPr>
           <p:nvPr>
-            <p:ph type="hdr" sz="quarter"/>
+            <p:ph type="hdr" sz="quarter" idx="10"/>
           </p:nvPr>
         </p:nvSpPr>
         <p:spPr/>
@@ -6123,7 +6189,7 @@
             <a:spLocks noGrp="1"/>
           </p:cNvSpPr>
           <p:nvPr>
-            <p:ph type="ftr" sz="quarter" idx="4"/>
+            <p:ph type="ftr" sz="quarter" idx="11"/>
           </p:nvPr>
         </p:nvSpPr>
         <p:spPr/>
@@ -6149,19 +6215,19 @@
                 <a:ea typeface="Segoe UI" pitchFamily="34" charset="0"/>
                 <a:cs typeface="Segoe UI" pitchFamily="34" charset="0"/>
               </a:rPr>
-              <a:t>© Microsoft Corporation</a:t>
+              <a:t>© Microsoft Corporation. All rights reserved. MICROSOFT MAKES NO WARRANTIES, EXPRESS, IMPLIED OR STATUTORY, AS TO THE INFORMATION IN THIS PRESENTATION.</a:t>
             </a:r>
           </a:p>
         </p:txBody>
       </p:sp>
       <p:sp>
         <p:nvSpPr>
-          <p:cNvPr id="6" name="Slide Number Placeholder 5"/>
+          <p:cNvPr id="6" name="Date Placeholder 5"/>
           <p:cNvSpPr>
             <a:spLocks noGrp="1"/>
           </p:cNvSpPr>
           <p:nvPr>
-            <p:ph type="sldNum" sz="quarter" idx="5"/>
+            <p:ph type="dt" idx="12"/>
           </p:nvPr>
         </p:nvSpPr>
         <p:spPr/>
@@ -6169,10 +6235,33 @@
           <a:bodyPr/>
           <a:lstStyle/>
           <a:p>
+            <a:fld id="{386CE63F-9E7F-4C04-9D0D-FCA25A8E9E86}" type="datetime8">
+              <a:rPr lang="en-US" smtClean="0"/>
+              <a:t>12/12/2022 6:49 AM</a:t>
+            </a:fld>
+            <a:endParaRPr lang="en-US"/>
+          </a:p>
+        </p:txBody>
+      </p:sp>
+      <p:sp>
+        <p:nvSpPr>
+          <p:cNvPr id="7" name="Slide Number Placeholder 6"/>
+          <p:cNvSpPr>
+            <a:spLocks noGrp="1"/>
+          </p:cNvSpPr>
+          <p:nvPr>
+            <p:ph type="sldNum" sz="quarter" idx="13"/>
+          </p:nvPr>
+        </p:nvSpPr>
+        <p:spPr/>
+        <p:txBody>
+          <a:bodyPr/>
+          <a:lstStyle/>
+          <a:p>
             <a:fld id="{B4008EB6-D09E-4580-8CD6-DDB14511944F}" type="slidenum">
               <a:rPr lang="en-US" smtClean="0"/>
               <a:pPr/>
-              <a:t>47</a:t>
+              <a:t>48</a:t>
             </a:fld>
             <a:endParaRPr lang="en-US"/>
           </a:p>
@@ -6181,7 +6270,7 @@
     </p:spTree>
     <p:extLst>
       <p:ext uri="{BB962C8B-B14F-4D97-AF65-F5344CB8AC3E}">
-        <p14:creationId xmlns:p14="http://schemas.microsoft.com/office/powerpoint/2010/main" val="2184657066"/>
+        <p14:creationId xmlns:p14="http://schemas.microsoft.com/office/powerpoint/2010/main" val="2152369691"/>
       </p:ext>
     </p:extLst>
   </p:cSld>
@@ -6235,21 +6324,37 @@
           <a:bodyPr/>
           <a:lstStyle/>
           <a:p>
-            <a:pPr algn="l"/>
-            <a:r>
-              <a:rPr lang="en-GB" b="0" i="0" dirty="0">
+            <a:pPr algn="l">
+              <a:buFont typeface="Arial" panose="020B0604020202020204" pitchFamily="34" charset="0"/>
+              <a:buChar char="•"/>
+            </a:pPr>
+            <a:r>
+              <a:rPr lang="en-GB" sz="1600" b="1" i="0" dirty="0">
                 <a:solidFill>
                   <a:srgbClr val="171717"/>
                 </a:solidFill>
                 <a:effectLst/>
                 <a:latin typeface="Segoe UI" panose="020B0502040204020203" pitchFamily="34" charset="0"/>
               </a:rPr>
-              <a:t>This scenario has the following access management configuration:</a:t>
-            </a:r>
-          </a:p>
-          <a:p>
-            <a:pPr algn="l"/>
-            <a:endParaRPr lang="en-GB" b="0" i="0" dirty="0">
+              <a:t>Azure AD admin roles</a:t>
+            </a:r>
+            <a:r>
+              <a:rPr lang="en-GB" sz="1600" b="0" i="0" dirty="0">
+                <a:solidFill>
+                  <a:srgbClr val="171717"/>
+                </a:solidFill>
+                <a:effectLst/>
+                <a:latin typeface="Segoe UI" panose="020B0502040204020203" pitchFamily="34" charset="0"/>
+              </a:rPr>
+              <a:t> are used to manage resources in Azure AD, such as users, groups, and domains. These roles are defined for the Azure AD tenant at the root level of the configuration.</a:t>
+            </a:r>
+          </a:p>
+          <a:p>
+            <a:pPr algn="l">
+              <a:buFont typeface="Arial" panose="020B0604020202020204" pitchFamily="34" charset="0"/>
+              <a:buNone/>
+            </a:pPr>
+            <a:endParaRPr lang="en-GB" sz="1600" b="0" i="0" dirty="0">
               <a:solidFill>
                 <a:srgbClr val="171717"/>
               </a:solidFill>
@@ -6263,218 +6368,35 @@
               <a:buChar char="•"/>
             </a:pPr>
             <a:r>
-              <a:rPr lang="en-GB" b="0" i="0" dirty="0">
+              <a:rPr lang="en-GB" sz="1600" b="1" i="0" dirty="0">
                 <a:solidFill>
                   <a:srgbClr val="171717"/>
                 </a:solidFill>
                 <a:effectLst/>
                 <a:latin typeface="Segoe UI" panose="020B0502040204020203" pitchFamily="34" charset="0"/>
               </a:rPr>
-              <a:t>Three security principals are supported: user, group, service principal.</a:t>
-            </a:r>
-          </a:p>
-          <a:p>
-            <a:pPr algn="l">
-              <a:buFont typeface="Arial" panose="020B0604020202020204" pitchFamily="34" charset="0"/>
-              <a:buChar char="•"/>
-            </a:pPr>
-            <a:r>
-              <a:rPr lang="en-GB" b="0" i="0" dirty="0">
+              <a:t>Azure RBAC roles</a:t>
+            </a:r>
+            <a:r>
+              <a:rPr lang="en-GB" sz="1600" b="0" i="0" dirty="0">
                 <a:solidFill>
                   <a:srgbClr val="171717"/>
                 </a:solidFill>
                 <a:effectLst/>
                 <a:latin typeface="Segoe UI" panose="020B0502040204020203" pitchFamily="34" charset="0"/>
               </a:rPr>
-              <a:t>Six built-in roles are implemented, and two custom roles are defined: </a:t>
-            </a:r>
-            <a:r>
-              <a:rPr lang="en-GB" b="0" i="1" dirty="0">
-                <a:solidFill>
-                  <a:srgbClr val="171717"/>
-                </a:solidFill>
-                <a:effectLst/>
-                <a:latin typeface="Segoe UI" panose="020B0502040204020203" pitchFamily="34" charset="0"/>
-              </a:rPr>
-              <a:t>Reader Support Tickets</a:t>
-            </a:r>
-            <a:r>
-              <a:rPr lang="en-GB" b="0" i="0" dirty="0">
-                <a:solidFill>
-                  <a:srgbClr val="171717"/>
-                </a:solidFill>
-                <a:effectLst/>
-                <a:latin typeface="Segoe UI" panose="020B0502040204020203" pitchFamily="34" charset="0"/>
-              </a:rPr>
-              <a:t> and </a:t>
-            </a:r>
-            <a:r>
-              <a:rPr lang="en-GB" b="0" i="1" dirty="0">
-                <a:solidFill>
-                  <a:srgbClr val="171717"/>
-                </a:solidFill>
-                <a:effectLst/>
-                <a:latin typeface="Segoe UI" panose="020B0502040204020203" pitchFamily="34" charset="0"/>
-              </a:rPr>
-              <a:t>Virtual Machine Operator</a:t>
-            </a:r>
-            <a:r>
-              <a:rPr lang="en-GB" b="0" i="0" dirty="0">
-                <a:solidFill>
-                  <a:srgbClr val="171717"/>
-                </a:solidFill>
-                <a:effectLst/>
-                <a:latin typeface="Segoe UI" panose="020B0502040204020203" pitchFamily="34" charset="0"/>
-              </a:rPr>
-              <a:t>.</a:t>
-            </a:r>
-          </a:p>
-          <a:p>
-            <a:pPr algn="l">
-              <a:buFont typeface="Arial" panose="020B0604020202020204" pitchFamily="34" charset="0"/>
-              <a:buChar char="•"/>
-            </a:pPr>
-            <a:r>
-              <a:rPr lang="en-GB" b="0" i="0" dirty="0">
-                <a:solidFill>
-                  <a:srgbClr val="171717"/>
-                </a:solidFill>
-                <a:effectLst/>
-                <a:latin typeface="Segoe UI" panose="020B0502040204020203" pitchFamily="34" charset="0"/>
-              </a:rPr>
-              <a:t>The built-in </a:t>
-            </a:r>
-            <a:r>
-              <a:rPr lang="en-GB" b="0" i="1" dirty="0">
-                <a:solidFill>
-                  <a:srgbClr val="171717"/>
-                </a:solidFill>
-                <a:effectLst/>
-                <a:latin typeface="Segoe UI" panose="020B0502040204020203" pitchFamily="34" charset="0"/>
-              </a:rPr>
-              <a:t>Contributor</a:t>
-            </a:r>
-            <a:r>
-              <a:rPr lang="en-GB" b="0" i="0" dirty="0">
-                <a:solidFill>
-                  <a:srgbClr val="171717"/>
-                </a:solidFill>
-                <a:effectLst/>
-                <a:latin typeface="Segoe UI" panose="020B0502040204020203" pitchFamily="34" charset="0"/>
-              </a:rPr>
-              <a:t> role has two sets of permissions: </a:t>
-            </a:r>
-            <a:r>
-              <a:rPr lang="en-GB" b="0" i="1" dirty="0">
-                <a:solidFill>
-                  <a:srgbClr val="171717"/>
-                </a:solidFill>
-                <a:effectLst/>
-                <a:latin typeface="Segoe UI" panose="020B0502040204020203" pitchFamily="34" charset="0"/>
-              </a:rPr>
-              <a:t>Actions</a:t>
-            </a:r>
-            <a:r>
-              <a:rPr lang="en-GB" b="0" i="0" dirty="0">
-                <a:solidFill>
-                  <a:srgbClr val="171717"/>
-                </a:solidFill>
-                <a:effectLst/>
-                <a:latin typeface="Segoe UI" panose="020B0502040204020203" pitchFamily="34" charset="0"/>
-              </a:rPr>
-              <a:t> and </a:t>
-            </a:r>
-            <a:r>
-              <a:rPr lang="en-GB" b="0" i="1" dirty="0">
-                <a:solidFill>
-                  <a:srgbClr val="171717"/>
-                </a:solidFill>
-                <a:effectLst/>
-                <a:latin typeface="Segoe UI" panose="020B0502040204020203" pitchFamily="34" charset="0"/>
-              </a:rPr>
-              <a:t>NotActions</a:t>
-            </a:r>
-            <a:r>
-              <a:rPr lang="en-GB" b="0" i="0" dirty="0">
-                <a:solidFill>
-                  <a:srgbClr val="171717"/>
-                </a:solidFill>
-                <a:effectLst/>
-                <a:latin typeface="Segoe UI" panose="020B0502040204020203" pitchFamily="34" charset="0"/>
-              </a:rPr>
-              <a:t>.</a:t>
-            </a:r>
-          </a:p>
-          <a:p>
-            <a:pPr algn="l">
-              <a:buFont typeface="Arial" panose="020B0604020202020204" pitchFamily="34" charset="0"/>
-              <a:buChar char="•"/>
-            </a:pPr>
-            <a:r>
-              <a:rPr lang="en-GB" b="0" i="0" dirty="0">
-                <a:solidFill>
-                  <a:srgbClr val="171717"/>
-                </a:solidFill>
-                <a:effectLst/>
-                <a:latin typeface="Segoe UI" panose="020B0502040204020203" pitchFamily="34" charset="0"/>
-              </a:rPr>
-              <a:t>The </a:t>
-            </a:r>
-            <a:r>
-              <a:rPr lang="en-GB" b="0" i="1" dirty="0">
-                <a:solidFill>
-                  <a:srgbClr val="171717"/>
-                </a:solidFill>
-                <a:effectLst/>
-                <a:latin typeface="Segoe UI" panose="020B0502040204020203" pitchFamily="34" charset="0"/>
-              </a:rPr>
-              <a:t>Contributor</a:t>
-            </a:r>
-            <a:r>
-              <a:rPr lang="en-GB" b="0" i="0" dirty="0">
-                <a:solidFill>
-                  <a:srgbClr val="171717"/>
-                </a:solidFill>
-                <a:effectLst/>
-                <a:latin typeface="Segoe UI" panose="020B0502040204020203" pitchFamily="34" charset="0"/>
-              </a:rPr>
-              <a:t> role is assigned at different scopes to the Marketing group and Pharma-sales resource group:</a:t>
-            </a:r>
-          </a:p>
-          <a:p>
-            <a:pPr marL="742950" lvl="1" indent="-285750" algn="l">
-              <a:buFont typeface="Arial" panose="020B0604020202020204" pitchFamily="34" charset="0"/>
-              <a:buChar char="•"/>
-            </a:pPr>
-            <a:r>
-              <a:rPr lang="en-GB" b="0" i="0" dirty="0">
-                <a:solidFill>
-                  <a:srgbClr val="171717"/>
-                </a:solidFill>
-                <a:effectLst/>
-                <a:latin typeface="Segoe UI" panose="020B0502040204020203" pitchFamily="34" charset="0"/>
-              </a:rPr>
-              <a:t>Users in the Marketing group are granted access to create or manage any Azure resource in the Pharma-sales resource group.</a:t>
-            </a:r>
-          </a:p>
-          <a:p>
-            <a:pPr marL="742950" lvl="1" indent="-285750" algn="l">
-              <a:buFont typeface="Arial" panose="020B0604020202020204" pitchFamily="34" charset="0"/>
-              <a:buChar char="•"/>
-            </a:pPr>
-            <a:r>
-              <a:rPr lang="en-GB" b="0" i="0" dirty="0">
-                <a:solidFill>
-                  <a:srgbClr val="171717"/>
-                </a:solidFill>
-                <a:effectLst/>
-                <a:latin typeface="Segoe UI" panose="020B0502040204020203" pitchFamily="34" charset="0"/>
-              </a:rPr>
-              <a:t>Marketing users aren't granted access to resources outside the Pharma-sales resource group, unless they have another role assignment that grants them access to the resource group.</a:t>
-            </a:r>
-          </a:p>
-          <a:p>
-            <a:endParaRPr lang="en-US" baseline="0" dirty="0"/>
+              <a:t> provide more granular access management for Azure resources. These roles are defined for a requestor or resource and can be applied at multiple levels: the root, management groups, subscriptions, resource groups, or resources.</a:t>
+            </a:r>
+          </a:p>
+          <a:p>
+            <a:endParaRPr lang="en-US" sz="882" b="0" i="0" kern="1200" dirty="0">
+              <a:solidFill>
+                <a:schemeClr val="tx1"/>
+              </a:solidFill>
+              <a:effectLst/>
+              <a:ea typeface="+mn-ea"/>
+              <a:cs typeface="+mn-cs"/>
+            </a:endParaRPr>
           </a:p>
         </p:txBody>
       </p:sp>
@@ -6552,7 +6474,7 @@
           <a:p>
             <a:fld id="{386CE63F-9E7F-4C04-9D0D-FCA25A8E9E86}" type="datetime8">
               <a:rPr lang="en-US" smtClean="0"/>
-              <a:t>11/26/2022 7:51 AM</a:t>
+              <a:t>12/12/2022 6:49 AM</a:t>
             </a:fld>
             <a:endParaRPr lang="en-US"/>
           </a:p>
@@ -6576,7 +6498,7 @@
             <a:fld id="{B4008EB6-D09E-4580-8CD6-DDB14511944F}" type="slidenum">
               <a:rPr lang="en-US" smtClean="0"/>
               <a:pPr/>
-              <a:t>49</a:t>
+              <a:t>50</a:t>
             </a:fld>
             <a:endParaRPr lang="en-US"/>
           </a:p>
@@ -6585,7 +6507,7 @@
     </p:spTree>
     <p:extLst>
       <p:ext uri="{BB962C8B-B14F-4D97-AF65-F5344CB8AC3E}">
-        <p14:creationId xmlns:p14="http://schemas.microsoft.com/office/powerpoint/2010/main" val="2152369691"/>
+        <p14:creationId xmlns:p14="http://schemas.microsoft.com/office/powerpoint/2010/main" val="501626034"/>
       </p:ext>
     </p:extLst>
   </p:cSld>
@@ -6639,79 +6561,30 @@
           <a:bodyPr/>
           <a:lstStyle/>
           <a:p>
-            <a:pPr algn="l">
-              <a:buFont typeface="Arial" panose="020B0604020202020204" pitchFamily="34" charset="0"/>
-              <a:buChar char="•"/>
-            </a:pPr>
-            <a:r>
-              <a:rPr lang="en-GB" sz="1600" b="1" i="0" dirty="0">
-                <a:solidFill>
-                  <a:srgbClr val="171717"/>
-                </a:solidFill>
-                <a:effectLst/>
-                <a:latin typeface="Segoe UI" panose="020B0502040204020203" pitchFamily="34" charset="0"/>
-              </a:rPr>
-              <a:t>Azure AD admin roles</a:t>
-            </a:r>
-            <a:r>
-              <a:rPr lang="en-GB" sz="1600" b="0" i="0" dirty="0">
-                <a:solidFill>
-                  <a:srgbClr val="171717"/>
-                </a:solidFill>
-                <a:effectLst/>
-                <a:latin typeface="Segoe UI" panose="020B0502040204020203" pitchFamily="34" charset="0"/>
-              </a:rPr>
-              <a:t> are used to manage resources in Azure AD, such as users, groups, and domains. These roles are defined for the Azure AD tenant at the root level of the configuration.</a:t>
-            </a:r>
-          </a:p>
-          <a:p>
-            <a:pPr algn="l">
-              <a:buFont typeface="Arial" panose="020B0604020202020204" pitchFamily="34" charset="0"/>
-              <a:buNone/>
-            </a:pPr>
-            <a:endParaRPr lang="en-GB" sz="1600" b="0" i="0" dirty="0">
-              <a:solidFill>
-                <a:srgbClr val="171717"/>
-              </a:solidFill>
-              <a:effectLst/>
-              <a:latin typeface="Segoe UI" panose="020B0502040204020203" pitchFamily="34" charset="0"/>
-            </a:endParaRPr>
-          </a:p>
-          <a:p>
-            <a:pPr algn="l">
-              <a:buFont typeface="Arial" panose="020B0604020202020204" pitchFamily="34" charset="0"/>
-              <a:buChar char="•"/>
-            </a:pPr>
-            <a:r>
-              <a:rPr lang="en-GB" sz="1600" b="1" i="0" dirty="0">
-                <a:solidFill>
-                  <a:srgbClr val="171717"/>
-                </a:solidFill>
-                <a:effectLst/>
-                <a:latin typeface="Segoe UI" panose="020B0502040204020203" pitchFamily="34" charset="0"/>
-              </a:rPr>
-              <a:t>Azure RBAC roles</a:t>
-            </a:r>
-            <a:r>
-              <a:rPr lang="en-GB" sz="1600" b="0" i="0" dirty="0">
-                <a:solidFill>
-                  <a:srgbClr val="171717"/>
-                </a:solidFill>
-                <a:effectLst/>
-                <a:latin typeface="Segoe UI" panose="020B0502040204020203" pitchFamily="34" charset="0"/>
-              </a:rPr>
-              <a:t> provide more granular access management for Azure resources. These roles are defined for a requestor or resource and can be applied at multiple levels: the root, management groups, subscriptions, resource groups, or resources.</a:t>
-            </a:r>
-          </a:p>
-          <a:p>
-            <a:endParaRPr lang="en-US" sz="882" b="0" i="0" kern="1200" dirty="0">
-              <a:solidFill>
-                <a:schemeClr val="tx1"/>
-              </a:solidFill>
-              <a:effectLst/>
-              <a:ea typeface="+mn-ea"/>
-              <a:cs typeface="+mn-cs"/>
-            </a:endParaRPr>
+            <a:r>
+              <a:rPr lang="en-GB" dirty="0"/>
+              <a:t>B – WE CAN APPLY CONTRIBUTOR ROLE TO RESOURCE GROUP OR RESOURCES</a:t>
+            </a:r>
+          </a:p>
+          <a:p>
+            <a:r>
+              <a:rPr lang="en-GB" dirty="0"/>
+              <a:t>A - OBVIOUS</a:t>
+            </a:r>
+          </a:p>
+          <a:p>
+            <a:r>
+              <a:rPr lang="en-GB" dirty="0"/>
+              <a:t>C – </a:t>
+            </a:r>
+            <a:r>
+              <a:rPr lang="en-GB" dirty="0" err="1"/>
+              <a:t>Custome</a:t>
+            </a:r>
+            <a:r>
+              <a:rPr lang="en-GB" dirty="0"/>
+              <a:t> roles include ops such as read, write and delete</a:t>
+            </a:r>
           </a:p>
         </p:txBody>
       </p:sp>
@@ -6722,7 +6595,7 @@
             <a:spLocks noGrp="1"/>
           </p:cNvSpPr>
           <p:nvPr>
-            <p:ph type="hdr" sz="quarter" idx="10"/>
+            <p:ph type="hdr" sz="quarter"/>
           </p:nvPr>
         </p:nvSpPr>
         <p:spPr/>
@@ -6741,7 +6614,7 @@
             <a:spLocks noGrp="1"/>
           </p:cNvSpPr>
           <p:nvPr>
-            <p:ph type="ftr" sz="quarter" idx="11"/>
+            <p:ph type="ftr" sz="quarter" idx="4"/>
           </p:nvPr>
         </p:nvSpPr>
         <p:spPr/>
@@ -6767,19 +6640,19 @@
                 <a:ea typeface="Segoe UI" pitchFamily="34" charset="0"/>
                 <a:cs typeface="Segoe UI" pitchFamily="34" charset="0"/>
               </a:rPr>
-              <a:t>© Microsoft Corporation. All rights reserved. MICROSOFT MAKES NO WARRANTIES, EXPRESS, IMPLIED OR STATUTORY, AS TO THE INFORMATION IN THIS PRESENTATION.</a:t>
+              <a:t>© Microsoft Corporation</a:t>
             </a:r>
           </a:p>
         </p:txBody>
       </p:sp>
       <p:sp>
         <p:nvSpPr>
-          <p:cNvPr id="6" name="Date Placeholder 5"/>
+          <p:cNvPr id="6" name="Slide Number Placeholder 5"/>
           <p:cNvSpPr>
             <a:spLocks noGrp="1"/>
           </p:cNvSpPr>
           <p:nvPr>
-            <p:ph type="dt" idx="12"/>
+            <p:ph type="sldNum" sz="quarter" idx="5"/>
           </p:nvPr>
         </p:nvSpPr>
         <p:spPr/>
@@ -6787,29 +6660,6 @@
           <a:bodyPr/>
           <a:lstStyle/>
           <a:p>
-            <a:fld id="{386CE63F-9E7F-4C04-9D0D-FCA25A8E9E86}" type="datetime8">
-              <a:rPr lang="en-US" smtClean="0"/>
-              <a:t>11/25/2022 3:08 PM</a:t>
-            </a:fld>
-            <a:endParaRPr lang="en-US"/>
-          </a:p>
-        </p:txBody>
-      </p:sp>
-      <p:sp>
-        <p:nvSpPr>
-          <p:cNvPr id="7" name="Slide Number Placeholder 6"/>
-          <p:cNvSpPr>
-            <a:spLocks noGrp="1"/>
-          </p:cNvSpPr>
-          <p:nvPr>
-            <p:ph type="sldNum" sz="quarter" idx="13"/>
-          </p:nvPr>
-        </p:nvSpPr>
-        <p:spPr/>
-        <p:txBody>
-          <a:bodyPr/>
-          <a:lstStyle/>
-          <a:p>
             <a:fld id="{B4008EB6-D09E-4580-8CD6-DDB14511944F}" type="slidenum">
               <a:rPr lang="en-US" smtClean="0"/>
               <a:pPr/>
@@ -6822,7 +6672,7 @@
     </p:spTree>
     <p:extLst>
       <p:ext uri="{BB962C8B-B14F-4D97-AF65-F5344CB8AC3E}">
-        <p14:creationId xmlns:p14="http://schemas.microsoft.com/office/powerpoint/2010/main" val="501626034"/>
+        <p14:creationId xmlns:p14="http://schemas.microsoft.com/office/powerpoint/2010/main" val="3301028072"/>
       </p:ext>
     </p:extLst>
   </p:cSld>
@@ -6877,29 +6727,122 @@
           <a:lstStyle/>
           <a:p>
             <a:r>
-              <a:rPr lang="en-GB" dirty="0"/>
-              <a:t>B – WE CAN APPLY CONTRIBUTOR ROLE TO RESOURCE GROUP OR RESOURCES</a:t>
-            </a:r>
-          </a:p>
-          <a:p>
-            <a:r>
-              <a:rPr lang="en-GB" dirty="0"/>
-              <a:t>A - OBVIOUS</a:t>
-            </a:r>
-          </a:p>
-          <a:p>
-            <a:r>
-              <a:rPr lang="en-GB" dirty="0"/>
-              <a:t>C – </a:t>
-            </a:r>
-            <a:r>
-              <a:rPr lang="en-GB" dirty="0" err="1"/>
-              <a:t>Custome</a:t>
-            </a:r>
-            <a:r>
-              <a:rPr lang="en-GB" dirty="0"/>
-              <a:t> roles include ops such as read, write and delete</a:t>
-            </a:r>
+              <a:rPr lang="en-US" dirty="0"/>
+              <a:t>✔ Always consider having students walk-through the demonstrations themselves. Also, consider the overlap with the formal labs and your best use of time. </a:t>
+            </a:r>
+          </a:p>
+          <a:p>
+            <a:endParaRPr lang="en-US" dirty="0"/>
+          </a:p>
+          <a:p>
+            <a:r>
+              <a:rPr lang="en-US" dirty="0"/>
+              <a:t>Use the Demonstration in the MCT DLC or one of the tutorials.</a:t>
+            </a:r>
+          </a:p>
+          <a:p>
+            <a:endParaRPr lang="en-US" dirty="0"/>
+          </a:p>
+          <a:p>
+            <a:pPr marL="0" marR="0" lvl="0" indent="0" algn="l" defTabSz="932742" rtl="0" eaLnBrk="1" fontAlgn="auto" latinLnBrk="0" hangingPunct="1">
+              <a:lnSpc>
+                <a:spcPct val="90000"/>
+              </a:lnSpc>
+              <a:spcBef>
+                <a:spcPts val="0"/>
+              </a:spcBef>
+              <a:spcAft>
+                <a:spcPts val="340"/>
+              </a:spcAft>
+              <a:buClrTx/>
+              <a:buSzTx/>
+              <a:buFontTx/>
+              <a:buNone/>
+              <a:tabLst/>
+              <a:defRPr/>
+            </a:pPr>
+            <a:r>
+              <a:rPr lang="en-US" b="0" i="0" dirty="0">
+                <a:solidFill>
+                  <a:srgbClr val="171717"/>
+                </a:solidFill>
+                <a:effectLst/>
+                <a:latin typeface="Segoe UI" panose="020B0502040204020203" pitchFamily="34" charset="0"/>
+              </a:rPr>
+              <a:t>Tutorial: Grant a user access to Azure resources using the Azure portal - https://docs.microsoft.com/azure/role-based-access-control/quickstart-assign-role-user-portal</a:t>
+            </a:r>
+          </a:p>
+          <a:p>
+            <a:pPr marL="0" marR="0" lvl="0" indent="0" algn="l" defTabSz="932742" rtl="0" eaLnBrk="1" fontAlgn="auto" latinLnBrk="0" hangingPunct="1">
+              <a:lnSpc>
+                <a:spcPct val="90000"/>
+              </a:lnSpc>
+              <a:spcBef>
+                <a:spcPts val="0"/>
+              </a:spcBef>
+              <a:spcAft>
+                <a:spcPts val="340"/>
+              </a:spcAft>
+              <a:buClrTx/>
+              <a:buSzTx/>
+              <a:buFontTx/>
+              <a:buNone/>
+              <a:tabLst/>
+              <a:defRPr/>
+            </a:pPr>
+            <a:endParaRPr lang="en-US" b="0" i="0" dirty="0">
+              <a:solidFill>
+                <a:srgbClr val="171717"/>
+              </a:solidFill>
+              <a:effectLst/>
+              <a:latin typeface="Segoe UI" panose="020B0502040204020203" pitchFamily="34" charset="0"/>
+            </a:endParaRPr>
+          </a:p>
+          <a:p>
+            <a:pPr marL="0" marR="0" lvl="0" indent="0" algn="l" defTabSz="932742" rtl="0" eaLnBrk="1" fontAlgn="auto" latinLnBrk="0" hangingPunct="1">
+              <a:lnSpc>
+                <a:spcPct val="90000"/>
+              </a:lnSpc>
+              <a:spcBef>
+                <a:spcPts val="0"/>
+              </a:spcBef>
+              <a:spcAft>
+                <a:spcPts val="340"/>
+              </a:spcAft>
+              <a:buClrTx/>
+              <a:buSzTx/>
+              <a:buFontTx/>
+              <a:buNone/>
+              <a:tabLst/>
+              <a:defRPr/>
+            </a:pPr>
+            <a:r>
+              <a:rPr lang="en-US" b="0" i="0" dirty="0" err="1">
+                <a:solidFill>
+                  <a:srgbClr val="171717"/>
+                </a:solidFill>
+                <a:effectLst/>
+                <a:latin typeface="Segoe UI" panose="020B0502040204020203" pitchFamily="34" charset="0"/>
+              </a:rPr>
+              <a:t>Quickstart</a:t>
+            </a:r>
+            <a:r>
+              <a:rPr lang="en-US" b="0" i="0" dirty="0">
+                <a:solidFill>
+                  <a:srgbClr val="171717"/>
+                </a:solidFill>
+                <a:effectLst/>
+                <a:latin typeface="Segoe UI" panose="020B0502040204020203" pitchFamily="34" charset="0"/>
+              </a:rPr>
+              <a:t>: Check access for a user to Azure resources - https://docs.microsoft.com/azure/role-based-access-control/check-access</a:t>
+            </a:r>
+            <a:endParaRPr lang="en-US" b="1" i="0" dirty="0">
+              <a:solidFill>
+                <a:srgbClr val="171717"/>
+              </a:solidFill>
+              <a:effectLst/>
+              <a:latin typeface="Segoe UI" panose="020B0502040204020203" pitchFamily="34" charset="0"/>
+            </a:endParaRPr>
           </a:p>
         </p:txBody>
       </p:sp>
@@ -6910,7 +6853,7 @@
             <a:spLocks noGrp="1"/>
           </p:cNvSpPr>
           <p:nvPr>
-            <p:ph type="hdr" sz="quarter"/>
+            <p:ph type="hdr" sz="quarter" idx="10"/>
           </p:nvPr>
         </p:nvSpPr>
         <p:spPr/>
@@ -6929,7 +6872,7 @@
             <a:spLocks noGrp="1"/>
           </p:cNvSpPr>
           <p:nvPr>
-            <p:ph type="ftr" sz="quarter" idx="4"/>
+            <p:ph type="ftr" sz="quarter" idx="11"/>
           </p:nvPr>
         </p:nvSpPr>
         <p:spPr/>
@@ -6955,19 +6898,19 @@
                 <a:ea typeface="Segoe UI" pitchFamily="34" charset="0"/>
                 <a:cs typeface="Segoe UI" pitchFamily="34" charset="0"/>
               </a:rPr>
-              <a:t>© Microsoft Corporation</a:t>
+              <a:t>© Microsoft Corporation. All rights reserved. MICROSOFT MAKES NO WARRANTIES, EXPRESS, IMPLIED OR STATUTORY, AS TO THE INFORMATION IN THIS PRESENTATION.</a:t>
             </a:r>
           </a:p>
         </p:txBody>
       </p:sp>
       <p:sp>
         <p:nvSpPr>
-          <p:cNvPr id="6" name="Slide Number Placeholder 5"/>
+          <p:cNvPr id="6" name="Date Placeholder 5"/>
           <p:cNvSpPr>
             <a:spLocks noGrp="1"/>
           </p:cNvSpPr>
           <p:nvPr>
-            <p:ph type="sldNum" sz="quarter" idx="5"/>
+            <p:ph type="dt" idx="12"/>
           </p:nvPr>
         </p:nvSpPr>
         <p:spPr/>
@@ -6975,6 +6918,29 @@
           <a:bodyPr/>
           <a:lstStyle/>
           <a:p>
+            <a:fld id="{72E0C910-0166-48E0-B8EF-5071277A02A8}" type="datetime8">
+              <a:rPr lang="en-US" smtClean="0"/>
+              <a:t>12/12/2022 6:49 AM</a:t>
+            </a:fld>
+            <a:endParaRPr lang="en-US"/>
+          </a:p>
+        </p:txBody>
+      </p:sp>
+      <p:sp>
+        <p:nvSpPr>
+          <p:cNvPr id="7" name="Slide Number Placeholder 6"/>
+          <p:cNvSpPr>
+            <a:spLocks noGrp="1"/>
+          </p:cNvSpPr>
+          <p:nvPr>
+            <p:ph type="sldNum" sz="quarter" idx="13"/>
+          </p:nvPr>
+        </p:nvSpPr>
+        <p:spPr/>
+        <p:txBody>
+          <a:bodyPr/>
+          <a:lstStyle/>
+          <a:p>
             <a:fld id="{B4008EB6-D09E-4580-8CD6-DDB14511944F}" type="slidenum">
               <a:rPr lang="en-US" smtClean="0"/>
               <a:pPr/>
@@ -6987,7 +6953,7 @@
     </p:spTree>
     <p:extLst>
       <p:ext uri="{BB962C8B-B14F-4D97-AF65-F5344CB8AC3E}">
-        <p14:creationId xmlns:p14="http://schemas.microsoft.com/office/powerpoint/2010/main" val="3301028072"/>
+        <p14:creationId xmlns:p14="http://schemas.microsoft.com/office/powerpoint/2010/main" val="3446497594"/>
       </p:ext>
     </p:extLst>
   </p:cSld>
@@ -7043,7 +7009,7 @@
           <a:p>
             <a:r>
               <a:rPr lang="en-US" dirty="0"/>
-              <a:t>✔ Always consider having students walk-through the demonstrations themselves. Also, consider the overlap with the formal labs and your best use of time. </a:t>
+              <a:t>Learn - https://docs.microsoft.com/learn/browse/</a:t>
             </a:r>
           </a:p>
           <a:p>
@@ -7052,123 +7018,199 @@
           <a:p>
             <a:r>
               <a:rPr lang="en-US" dirty="0"/>
-              <a:t>Use the Demonstration in the MCT DLC or one of the tutorials.</a:t>
+              <a:t>The Assessment Guide in the MCT DLC has open-ended questions.</a:t>
             </a:r>
           </a:p>
           <a:p>
             <a:endParaRPr lang="en-US" dirty="0"/>
           </a:p>
           <a:p>
-            <a:pPr marL="0" marR="0" lvl="0" indent="0" algn="l" defTabSz="932742" rtl="0" eaLnBrk="1" fontAlgn="auto" latinLnBrk="0" hangingPunct="1">
+            <a:pPr marL="0" marR="365760" lvl="0" indent="0">
               <a:lnSpc>
-                <a:spcPct val="90000"/>
+                <a:spcPct val="107000"/>
               </a:lnSpc>
               <a:spcBef>
                 <a:spcPts val="0"/>
               </a:spcBef>
               <a:spcAft>
-                <a:spcPts val="340"/>
+                <a:spcPts val="800"/>
               </a:spcAft>
-              <a:buClrTx/>
-              <a:buSzTx/>
-              <a:buFontTx/>
+              <a:buFont typeface="+mj-lt"/>
               <a:buNone/>
-              <a:tabLst/>
-              <a:defRPr/>
             </a:pPr>
             <a:r>
-              <a:rPr lang="en-US" b="0" i="0" dirty="0">
-                <a:solidFill>
-                  <a:srgbClr val="171717"/>
+              <a:rPr lang="en-US" sz="1800" dirty="0">
+                <a:solidFill>
+                  <a:srgbClr val="505050"/>
                 </a:solidFill>
                 <a:effectLst/>
-                <a:latin typeface="Segoe UI" panose="020B0502040204020203" pitchFamily="34" charset="0"/>
+                <a:latin typeface="Calibri" panose="020F0502020204030204" pitchFamily="34" charset="0"/>
+                <a:ea typeface="Segoe UI" panose="020B0502040204020203" pitchFamily="34" charset="0"/>
+                <a:cs typeface="Segoe UI (Body)"/>
               </a:rPr>
-              <a:t>Tutorial: Grant a user access to Azure resources using the Azure portal - https://docs.microsoft.com/azure/role-based-access-control/quickstart-assign-role-user-portal</a:t>
-            </a:r>
-          </a:p>
-          <a:p>
-            <a:pPr marL="0" marR="0" lvl="0" indent="0" algn="l" defTabSz="932742" rtl="0" eaLnBrk="1" fontAlgn="auto" latinLnBrk="0" hangingPunct="1">
+              <a:t>List three RBAC roles and the associated permissions for each role. </a:t>
+            </a:r>
+            <a:endParaRPr lang="en-US" sz="1800" b="0" dirty="0">
+              <a:solidFill>
+                <a:srgbClr val="505050"/>
+              </a:solidFill>
+              <a:effectLst/>
+              <a:latin typeface="Segoe UI" panose="020B0502040204020203" pitchFamily="34" charset="0"/>
+              <a:ea typeface="Segoe UI" panose="020B0502040204020203" pitchFamily="34" charset="0"/>
+              <a:cs typeface="Segoe UI (Body)"/>
+            </a:endParaRPr>
+          </a:p>
+          <a:p>
+            <a:pPr marL="0" marR="365760" lvl="0" indent="0">
               <a:lnSpc>
-                <a:spcPct val="90000"/>
+                <a:spcPct val="107000"/>
               </a:lnSpc>
               <a:spcBef>
                 <a:spcPts val="0"/>
               </a:spcBef>
               <a:spcAft>
-                <a:spcPts val="340"/>
+                <a:spcPts val="800"/>
               </a:spcAft>
-              <a:buClrTx/>
-              <a:buSzTx/>
-              <a:buFontTx/>
+              <a:buFont typeface="+mj-lt"/>
               <a:buNone/>
-              <a:tabLst/>
-              <a:defRPr/>
             </a:pPr>
-            <a:endParaRPr lang="en-US" b="0" i="0" dirty="0">
-              <a:solidFill>
-                <a:srgbClr val="171717"/>
-              </a:solidFill>
-              <a:effectLst/>
-              <a:latin typeface="Segoe UI" panose="020B0502040204020203" pitchFamily="34" charset="0"/>
-            </a:endParaRPr>
-          </a:p>
-          <a:p>
-            <a:pPr marL="0" marR="0" lvl="0" indent="0" algn="l" defTabSz="932742" rtl="0" eaLnBrk="1" fontAlgn="auto" latinLnBrk="0" hangingPunct="1">
+            <a:r>
+              <a:rPr lang="en-US" sz="1800" b="1" dirty="0">
+                <a:solidFill>
+                  <a:srgbClr val="505050"/>
+                </a:solidFill>
+                <a:effectLst/>
+                <a:latin typeface="Calibri" panose="020F0502020204030204" pitchFamily="34" charset="0"/>
+                <a:ea typeface="Segoe UI" panose="020B0502040204020203" pitchFamily="34" charset="0"/>
+                <a:cs typeface="Segoe UI (Body)"/>
+              </a:rPr>
+              <a:t>Answer: </a:t>
+            </a:r>
+            <a:r>
+              <a:rPr lang="en-US" sz="1800" dirty="0">
+                <a:solidFill>
+                  <a:srgbClr val="505050"/>
+                </a:solidFill>
+                <a:effectLst/>
+                <a:latin typeface="Calibri" panose="020F0502020204030204" pitchFamily="34" charset="0"/>
+                <a:ea typeface="Segoe UI" panose="020B0502040204020203" pitchFamily="34" charset="0"/>
+                <a:cs typeface="Segoe UI (Body)"/>
+              </a:rPr>
+              <a:t>Owner who has full access to all resources and can delegate access to others. Contributor who can creates and manages all types of Azure resources but cannot grant access to others. Reader who can only view Azure resources. User access administrator who manages user access to Azure resources. Other roles are possible.</a:t>
+            </a:r>
+          </a:p>
+          <a:p>
+            <a:pPr marL="0" marR="365760" lvl="0" indent="0">
               <a:lnSpc>
-                <a:spcPct val="90000"/>
+                <a:spcPct val="107000"/>
               </a:lnSpc>
               <a:spcBef>
                 <a:spcPts val="0"/>
               </a:spcBef>
               <a:spcAft>
-                <a:spcPts val="340"/>
+                <a:spcPts val="800"/>
               </a:spcAft>
-              <a:buClrTx/>
-              <a:buSzTx/>
-              <a:buFontTx/>
+              <a:buFont typeface="+mj-lt"/>
               <a:buNone/>
-              <a:tabLst/>
-              <a:defRPr/>
             </a:pPr>
-            <a:r>
-              <a:rPr lang="en-US" b="0" i="0" dirty="0" err="1">
-                <a:solidFill>
-                  <a:srgbClr val="171717"/>
-                </a:solidFill>
-                <a:effectLst/>
-                <a:latin typeface="Segoe UI" panose="020B0502040204020203" pitchFamily="34" charset="0"/>
-              </a:rPr>
-              <a:t>Quickstart</a:t>
-            </a:r>
-            <a:r>
-              <a:rPr lang="en-US" b="0" i="0" dirty="0">
-                <a:solidFill>
-                  <a:srgbClr val="171717"/>
-                </a:solidFill>
-                <a:effectLst/>
-                <a:latin typeface="Segoe UI" panose="020B0502040204020203" pitchFamily="34" charset="0"/>
-              </a:rPr>
-              <a:t>: Check access for a user to Azure resources - https://docs.microsoft.com/azure/role-based-access-control/check-access</a:t>
-            </a:r>
-            <a:endParaRPr lang="en-US" b="1" i="0" dirty="0">
+            <a:endParaRPr lang="en-US" sz="1800" dirty="0">
               <a:solidFill>
-                <a:srgbClr val="171717"/>
+                <a:srgbClr val="505050"/>
               </a:solidFill>
               <a:effectLst/>
               <a:latin typeface="Segoe UI" panose="020B0502040204020203" pitchFamily="34" charset="0"/>
+              <a:ea typeface="Segoe UI" panose="020B0502040204020203" pitchFamily="34" charset="0"/>
+              <a:cs typeface="Segoe UI (Body)"/>
             </a:endParaRPr>
+          </a:p>
+          <a:p>
+            <a:pPr marL="0" marR="365760" lvl="0" indent="0">
+              <a:lnSpc>
+                <a:spcPct val="107000"/>
+              </a:lnSpc>
+              <a:spcBef>
+                <a:spcPts val="0"/>
+              </a:spcBef>
+              <a:spcAft>
+                <a:spcPts val="800"/>
+              </a:spcAft>
+              <a:buFont typeface="+mj-lt"/>
+              <a:buNone/>
+            </a:pPr>
+            <a:r>
+              <a:rPr lang="en-US" sz="1800" dirty="0">
+                <a:solidFill>
+                  <a:srgbClr val="505050"/>
+                </a:solidFill>
+                <a:effectLst/>
+                <a:latin typeface="Calibri" panose="020F0502020204030204" pitchFamily="34" charset="0"/>
+                <a:ea typeface="Segoe UI" panose="020B0502040204020203" pitchFamily="34" charset="0"/>
+                <a:cs typeface="Segoe UI (Body)"/>
+              </a:rPr>
+              <a:t>What is the purpose of role-based access control (RBAC) and why would you use it?</a:t>
+            </a:r>
+          </a:p>
+          <a:p>
+            <a:pPr marL="0" marR="365760" lvl="0" indent="0">
+              <a:lnSpc>
+                <a:spcPct val="107000"/>
+              </a:lnSpc>
+              <a:spcBef>
+                <a:spcPts val="0"/>
+              </a:spcBef>
+              <a:spcAft>
+                <a:spcPts val="800"/>
+              </a:spcAft>
+              <a:buFont typeface="+mj-lt"/>
+              <a:buNone/>
+            </a:pPr>
+            <a:r>
+              <a:rPr lang="en-US" sz="1800" b="1" dirty="0">
+                <a:solidFill>
+                  <a:srgbClr val="505050"/>
+                </a:solidFill>
+                <a:effectLst/>
+                <a:latin typeface="Calibri" panose="020F0502020204030204" pitchFamily="34" charset="0"/>
+                <a:ea typeface="Segoe UI" panose="020B0502040204020203" pitchFamily="34" charset="0"/>
+                <a:cs typeface="Segoe UI (Body)"/>
+              </a:rPr>
+              <a:t>Answer: </a:t>
+            </a:r>
+            <a:r>
+              <a:rPr lang="en-US" sz="1800" dirty="0">
+                <a:solidFill>
+                  <a:srgbClr val="505050"/>
+                </a:solidFill>
+                <a:effectLst/>
+                <a:latin typeface="Calibri" panose="020F0502020204030204" pitchFamily="34" charset="0"/>
+                <a:ea typeface="Segoe UI" panose="020B0502040204020203" pitchFamily="34" charset="0"/>
+                <a:cs typeface="Segoe UI (Body)"/>
+              </a:rPr>
+              <a:t>RBAC provides fine-grained access management of resources in Azure. RBAC can be used to segregate duties within a team. RBAC can also grant just the amount of access users need to perform their jobs​. RBAC is an allow model granting access only as assigned. </a:t>
+            </a:r>
+            <a:endParaRPr lang="en-US" sz="1800" dirty="0">
+              <a:solidFill>
+                <a:srgbClr val="505050"/>
+              </a:solidFill>
+              <a:effectLst/>
+              <a:latin typeface="Segoe UI" panose="020B0502040204020203" pitchFamily="34" charset="0"/>
+              <a:ea typeface="Segoe UI" panose="020B0502040204020203" pitchFamily="34" charset="0"/>
+              <a:cs typeface="Segoe UI (Body)"/>
+            </a:endParaRPr>
+          </a:p>
+          <a:p>
+            <a:endParaRPr lang="en-US" dirty="0"/>
           </a:p>
         </p:txBody>
       </p:sp>
       <p:sp>
         <p:nvSpPr>
-          <p:cNvPr id="4" name="Header Placeholder 3"/>
+          <p:cNvPr id="4" name="Slide Number Placeholder 3"/>
           <p:cNvSpPr>
             <a:spLocks noGrp="1"/>
           </p:cNvSpPr>
           <p:nvPr>
-            <p:ph type="hdr" sz="quarter" idx="10"/>
+            <p:ph type="sldNum" sz="quarter" idx="5"/>
           </p:nvPr>
         </p:nvSpPr>
         <p:spPr/>
@@ -7176,89 +7218,8 @@
           <a:bodyPr/>
           <a:lstStyle/>
           <a:p>
-            <a:endParaRPr lang="en-US"/>
-          </a:p>
-        </p:txBody>
-      </p:sp>
-      <p:sp>
-        <p:nvSpPr>
-          <p:cNvPr id="5" name="Footer Placeholder 4"/>
-          <p:cNvSpPr>
-            <a:spLocks noGrp="1"/>
-          </p:cNvSpPr>
-          <p:nvPr>
-            <p:ph type="ftr" sz="quarter" idx="11"/>
-          </p:nvPr>
-        </p:nvSpPr>
-        <p:spPr/>
-        <p:txBody>
-          <a:bodyPr/>
-          <a:lstStyle/>
-          <a:p>
-            <a:pPr defTabSz="914099" eaLnBrk="0" hangingPunct="0"/>
-            <a:r>
-              <a:rPr lang="en-US" sz="400">
-                <a:gradFill>
-                  <a:gsLst>
-                    <a:gs pos="0">
-                      <a:prstClr val="black"/>
-                    </a:gs>
-                    <a:gs pos="100000">
-                      <a:prstClr val="black"/>
-                    </a:gs>
-                  </a:gsLst>
-                  <a:lin ang="5400000" scaled="0"/>
-                </a:gradFill>
-                <a:latin typeface="Segoe UI" pitchFamily="34" charset="0"/>
-                <a:ea typeface="Segoe UI" pitchFamily="34" charset="0"/>
-                <a:cs typeface="Segoe UI" pitchFamily="34" charset="0"/>
-              </a:rPr>
-              <a:t>© Microsoft Corporation. All rights reserved. MICROSOFT MAKES NO WARRANTIES, EXPRESS, IMPLIED OR STATUTORY, AS TO THE INFORMATION IN THIS PRESENTATION.</a:t>
-            </a:r>
-          </a:p>
-        </p:txBody>
-      </p:sp>
-      <p:sp>
-        <p:nvSpPr>
-          <p:cNvPr id="6" name="Date Placeholder 5"/>
-          <p:cNvSpPr>
-            <a:spLocks noGrp="1"/>
-          </p:cNvSpPr>
-          <p:nvPr>
-            <p:ph type="dt" idx="12"/>
-          </p:nvPr>
-        </p:nvSpPr>
-        <p:spPr/>
-        <p:txBody>
-          <a:bodyPr/>
-          <a:lstStyle/>
-          <a:p>
-            <a:fld id="{72E0C910-0166-48E0-B8EF-5071277A02A8}" type="datetime8">
+            <a:fld id="{8507DC7E-BC41-4478-BA30-CBCC3A644F0A}" type="slidenum">
               <a:rPr lang="en-US" smtClean="0"/>
-              <a:t>11/25/2022 3:08 PM</a:t>
-            </a:fld>
-            <a:endParaRPr lang="en-US"/>
-          </a:p>
-        </p:txBody>
-      </p:sp>
-      <p:sp>
-        <p:nvSpPr>
-          <p:cNvPr id="7" name="Slide Number Placeholder 6"/>
-          <p:cNvSpPr>
-            <a:spLocks noGrp="1"/>
-          </p:cNvSpPr>
-          <p:nvPr>
-            <p:ph type="sldNum" sz="quarter" idx="13"/>
-          </p:nvPr>
-        </p:nvSpPr>
-        <p:spPr/>
-        <p:txBody>
-          <a:bodyPr/>
-          <a:lstStyle/>
-          <a:p>
-            <a:fld id="{B4008EB6-D09E-4580-8CD6-DDB14511944F}" type="slidenum">
-              <a:rPr lang="en-US" smtClean="0"/>
-              <a:pPr/>
               <a:t>53</a:t>
             </a:fld>
             <a:endParaRPr lang="en-US"/>
@@ -7268,7 +7229,7 @@
     </p:spTree>
     <p:extLst>
       <p:ext uri="{BB962C8B-B14F-4D97-AF65-F5344CB8AC3E}">
-        <p14:creationId xmlns:p14="http://schemas.microsoft.com/office/powerpoint/2010/main" val="3446497594"/>
+        <p14:creationId xmlns:p14="http://schemas.microsoft.com/office/powerpoint/2010/main" val="2952623198"/>
       </p:ext>
     </p:extLst>
   </p:cSld>
@@ -7324,197 +7285,8 @@
           <a:p>
             <a:r>
               <a:rPr lang="en-US" dirty="0"/>
-              <a:t>Learn - https://docs.microsoft.com/learn/browse/</a:t>
-            </a:r>
-          </a:p>
-          <a:p>
-            <a:endParaRPr lang="en-US" dirty="0"/>
-          </a:p>
-          <a:p>
-            <a:r>
-              <a:rPr lang="en-US" dirty="0"/>
-              <a:t>The Assessment Guide in the MCT DLC has open-ended questions.</a:t>
-            </a:r>
-          </a:p>
-          <a:p>
-            <a:endParaRPr lang="en-US" dirty="0"/>
-          </a:p>
-          <a:p>
-            <a:pPr marL="0" marR="365760" lvl="0" indent="0">
-              <a:lnSpc>
-                <a:spcPct val="107000"/>
-              </a:lnSpc>
-              <a:spcBef>
-                <a:spcPts val="0"/>
-              </a:spcBef>
-              <a:spcAft>
-                <a:spcPts val="800"/>
-              </a:spcAft>
-              <a:buFont typeface="+mj-lt"/>
-              <a:buNone/>
-            </a:pPr>
-            <a:r>
-              <a:rPr lang="en-US" sz="1800" dirty="0">
-                <a:solidFill>
-                  <a:srgbClr val="505050"/>
-                </a:solidFill>
-                <a:effectLst/>
-                <a:latin typeface="Calibri" panose="020F0502020204030204" pitchFamily="34" charset="0"/>
-                <a:ea typeface="Segoe UI" panose="020B0502040204020203" pitchFamily="34" charset="0"/>
-                <a:cs typeface="Segoe UI (Body)"/>
-              </a:rPr>
-              <a:t>List three RBAC roles and the associated permissions for each role. </a:t>
-            </a:r>
-            <a:endParaRPr lang="en-US" sz="1800" b="0" dirty="0">
-              <a:solidFill>
-                <a:srgbClr val="505050"/>
-              </a:solidFill>
-              <a:effectLst/>
-              <a:latin typeface="Segoe UI" panose="020B0502040204020203" pitchFamily="34" charset="0"/>
-              <a:ea typeface="Segoe UI" panose="020B0502040204020203" pitchFamily="34" charset="0"/>
-              <a:cs typeface="Segoe UI (Body)"/>
-            </a:endParaRPr>
-          </a:p>
-          <a:p>
-            <a:pPr marL="0" marR="365760" lvl="0" indent="0">
-              <a:lnSpc>
-                <a:spcPct val="107000"/>
-              </a:lnSpc>
-              <a:spcBef>
-                <a:spcPts val="0"/>
-              </a:spcBef>
-              <a:spcAft>
-                <a:spcPts val="800"/>
-              </a:spcAft>
-              <a:buFont typeface="+mj-lt"/>
-              <a:buNone/>
-            </a:pPr>
-            <a:r>
-              <a:rPr lang="en-US" sz="1800" b="1" dirty="0">
-                <a:solidFill>
-                  <a:srgbClr val="505050"/>
-                </a:solidFill>
-                <a:effectLst/>
-                <a:latin typeface="Calibri" panose="020F0502020204030204" pitchFamily="34" charset="0"/>
-                <a:ea typeface="Segoe UI" panose="020B0502040204020203" pitchFamily="34" charset="0"/>
-                <a:cs typeface="Segoe UI (Body)"/>
-              </a:rPr>
-              <a:t>Answer: </a:t>
-            </a:r>
-            <a:r>
-              <a:rPr lang="en-US" sz="1800" dirty="0">
-                <a:solidFill>
-                  <a:srgbClr val="505050"/>
-                </a:solidFill>
-                <a:effectLst/>
-                <a:latin typeface="Calibri" panose="020F0502020204030204" pitchFamily="34" charset="0"/>
-                <a:ea typeface="Segoe UI" panose="020B0502040204020203" pitchFamily="34" charset="0"/>
-                <a:cs typeface="Segoe UI (Body)"/>
-              </a:rPr>
-              <a:t>Owner who has full access to all resources and can delegate access to others. Contributor who can creates and manages all types of Azure resources but cannot grant access to others. Reader who can only view Azure resources. User access administrator who manages user access to Azure resources. Other roles are possible.</a:t>
-            </a:r>
-          </a:p>
-          <a:p>
-            <a:pPr marL="0" marR="365760" lvl="0" indent="0">
-              <a:lnSpc>
-                <a:spcPct val="107000"/>
-              </a:lnSpc>
-              <a:spcBef>
-                <a:spcPts val="0"/>
-              </a:spcBef>
-              <a:spcAft>
-                <a:spcPts val="800"/>
-              </a:spcAft>
-              <a:buFont typeface="+mj-lt"/>
-              <a:buNone/>
-            </a:pPr>
-            <a:endParaRPr lang="en-US" sz="1800" dirty="0">
-              <a:solidFill>
-                <a:srgbClr val="505050"/>
-              </a:solidFill>
-              <a:effectLst/>
-              <a:latin typeface="Segoe UI" panose="020B0502040204020203" pitchFamily="34" charset="0"/>
-              <a:ea typeface="Segoe UI" panose="020B0502040204020203" pitchFamily="34" charset="0"/>
-              <a:cs typeface="Segoe UI (Body)"/>
-            </a:endParaRPr>
-          </a:p>
-          <a:p>
-            <a:pPr marL="0" marR="365760" lvl="0" indent="0">
-              <a:lnSpc>
-                <a:spcPct val="107000"/>
-              </a:lnSpc>
-              <a:spcBef>
-                <a:spcPts val="0"/>
-              </a:spcBef>
-              <a:spcAft>
-                <a:spcPts val="800"/>
-              </a:spcAft>
-              <a:buFont typeface="+mj-lt"/>
-              <a:buNone/>
-            </a:pPr>
-            <a:r>
-              <a:rPr lang="en-US" sz="1800" dirty="0">
-                <a:solidFill>
-                  <a:srgbClr val="505050"/>
-                </a:solidFill>
-                <a:effectLst/>
-                <a:latin typeface="Calibri" panose="020F0502020204030204" pitchFamily="34" charset="0"/>
-                <a:ea typeface="Segoe UI" panose="020B0502040204020203" pitchFamily="34" charset="0"/>
-                <a:cs typeface="Segoe UI (Body)"/>
-              </a:rPr>
-              <a:t>What is the purpose of role-based access control (RBAC) and why would you use it?</a:t>
-            </a:r>
-          </a:p>
-          <a:p>
-            <a:pPr marL="0" marR="365760" lvl="0" indent="0">
-              <a:lnSpc>
-                <a:spcPct val="107000"/>
-              </a:lnSpc>
-              <a:spcBef>
-                <a:spcPts val="0"/>
-              </a:spcBef>
-              <a:spcAft>
-                <a:spcPts val="800"/>
-              </a:spcAft>
-              <a:buFont typeface="+mj-lt"/>
-              <a:buNone/>
-            </a:pPr>
-            <a:r>
-              <a:rPr lang="en-US" sz="1800" b="1" dirty="0">
-                <a:solidFill>
-                  <a:srgbClr val="505050"/>
-                </a:solidFill>
-                <a:effectLst/>
-                <a:latin typeface="Calibri" panose="020F0502020204030204" pitchFamily="34" charset="0"/>
-                <a:ea typeface="Segoe UI" panose="020B0502040204020203" pitchFamily="34" charset="0"/>
-                <a:cs typeface="Segoe UI (Body)"/>
-              </a:rPr>
-              <a:t>Answer: </a:t>
-            </a:r>
-            <a:r>
-              <a:rPr lang="en-US" sz="1800" dirty="0">
-                <a:solidFill>
-                  <a:srgbClr val="505050"/>
-                </a:solidFill>
-                <a:effectLst/>
-                <a:latin typeface="Calibri" panose="020F0502020204030204" pitchFamily="34" charset="0"/>
-                <a:ea typeface="Segoe UI" panose="020B0502040204020203" pitchFamily="34" charset="0"/>
-                <a:cs typeface="Segoe UI (Body)"/>
-              </a:rPr>
-              <a:t>RBAC provides fine-grained access management of resources in Azure. RBAC can be used to segregate duties within a team. RBAC can also grant just the amount of access users need to perform their jobs​. RBAC is an allow model granting access only as assigned. </a:t>
-            </a:r>
-            <a:endParaRPr lang="en-US" sz="1800" dirty="0">
-              <a:solidFill>
-                <a:srgbClr val="505050"/>
-              </a:solidFill>
-              <a:effectLst/>
-              <a:latin typeface="Segoe UI" panose="020B0502040204020203" pitchFamily="34" charset="0"/>
-              <a:ea typeface="Segoe UI" panose="020B0502040204020203" pitchFamily="34" charset="0"/>
-              <a:cs typeface="Segoe UI (Body)"/>
-            </a:endParaRPr>
-          </a:p>
-          <a:p>
-            <a:endParaRPr lang="en-US" dirty="0"/>
+              <a:t>Go ahead and cover Lab 03a which includes the portal review and resource locks. </a:t>
+            </a:r>
           </a:p>
         </p:txBody>
       </p:sp>
@@ -7544,7 +7316,7 @@
     </p:spTree>
     <p:extLst>
       <p:ext uri="{BB962C8B-B14F-4D97-AF65-F5344CB8AC3E}">
-        <p14:creationId xmlns:p14="http://schemas.microsoft.com/office/powerpoint/2010/main" val="2952623198"/>
+        <p14:creationId xmlns:p14="http://schemas.microsoft.com/office/powerpoint/2010/main" val="337272874"/>
       </p:ext>
     </p:extLst>
   </p:cSld>
@@ -7598,16 +7370,156 @@
           <a:bodyPr/>
           <a:lstStyle/>
           <a:p>
+            <a:pPr marL="0" marR="0" lvl="0" indent="0" algn="l" defTabSz="932742" rtl="0" eaLnBrk="1" fontAlgn="auto" latinLnBrk="0" hangingPunct="1">
+              <a:lnSpc>
+                <a:spcPct val="90000"/>
+              </a:lnSpc>
+              <a:spcBef>
+                <a:spcPts val="0"/>
+              </a:spcBef>
+              <a:spcAft>
+                <a:spcPts val="340"/>
+              </a:spcAft>
+              <a:buClrTx/>
+              <a:buSzTx/>
+              <a:buFontTx/>
+              <a:buNone/>
+              <a:tabLst/>
+              <a:defRPr/>
+            </a:pPr>
             <a:r>
               <a:rPr lang="en-US" dirty="0"/>
-              <a:t>Go ahead and cover Lab 03a which includes the portal review and resource locks. </a:t>
-            </a:r>
+              <a:t>LAB 02a - Manage Subscriptions and RBAC - ESTIMATED DURATION 30 MIN</a:t>
+            </a:r>
+          </a:p>
+          <a:p>
+            <a:pPr marL="0" marR="0" lvl="0" indent="0" algn="l" defTabSz="932742" rtl="0" eaLnBrk="1" fontAlgn="auto" latinLnBrk="0" hangingPunct="1">
+              <a:lnSpc>
+                <a:spcPct val="90000"/>
+              </a:lnSpc>
+              <a:spcBef>
+                <a:spcPts val="0"/>
+              </a:spcBef>
+              <a:spcAft>
+                <a:spcPts val="340"/>
+              </a:spcAft>
+              <a:buClrTx/>
+              <a:buSzTx/>
+              <a:buFontTx/>
+              <a:buNone/>
+              <a:tabLst/>
+              <a:defRPr/>
+            </a:pPr>
+            <a:r>
+              <a:rPr lang="en-US" dirty="0"/>
+              <a:t>Lab Repository - https://microsoftlearning.github.io/AZ-104-MicrosoftAzureAdministrator/</a:t>
+            </a:r>
+          </a:p>
+          <a:p>
+            <a:pPr marL="0" marR="0" lvl="0" indent="0" algn="l" defTabSz="932742" rtl="0" eaLnBrk="1" fontAlgn="auto" latinLnBrk="0" hangingPunct="1">
+              <a:lnSpc>
+                <a:spcPct val="90000"/>
+              </a:lnSpc>
+              <a:spcBef>
+                <a:spcPts val="0"/>
+              </a:spcBef>
+              <a:spcAft>
+                <a:spcPts val="340"/>
+              </a:spcAft>
+              <a:buClrTx/>
+              <a:buSzTx/>
+              <a:buFontTx/>
+              <a:buNone/>
+              <a:tabLst/>
+              <a:defRPr/>
+            </a:pPr>
+            <a:endParaRPr lang="en-US" dirty="0"/>
+          </a:p>
+          <a:p>
+            <a:pPr marL="0" marR="0" lvl="0" indent="0" algn="l" defTabSz="932742" rtl="0" eaLnBrk="1" fontAlgn="auto" latinLnBrk="0" hangingPunct="1">
+              <a:lnSpc>
+                <a:spcPct val="90000"/>
+              </a:lnSpc>
+              <a:spcBef>
+                <a:spcPts val="0"/>
+              </a:spcBef>
+              <a:spcAft>
+                <a:spcPts val="340"/>
+              </a:spcAft>
+              <a:buClrTx/>
+              <a:buSzTx/>
+              <a:buFontTx/>
+              <a:buNone/>
+              <a:tabLst/>
+              <a:defRPr/>
+            </a:pPr>
+            <a:endParaRPr lang="en-US" dirty="0"/>
+          </a:p>
+          <a:p>
+            <a:endParaRPr lang="en-US" dirty="0"/>
           </a:p>
         </p:txBody>
       </p:sp>
       <p:sp>
         <p:nvSpPr>
-          <p:cNvPr id="4" name="Slide Number Placeholder 3"/>
+          <p:cNvPr id="4" name="Header Placeholder 3"/>
+          <p:cNvSpPr>
+            <a:spLocks noGrp="1"/>
+          </p:cNvSpPr>
+          <p:nvPr>
+            <p:ph type="hdr" sz="quarter"/>
+          </p:nvPr>
+        </p:nvSpPr>
+        <p:spPr/>
+        <p:txBody>
+          <a:bodyPr/>
+          <a:lstStyle/>
+          <a:p>
+            <a:endParaRPr lang="en-US"/>
+          </a:p>
+        </p:txBody>
+      </p:sp>
+      <p:sp>
+        <p:nvSpPr>
+          <p:cNvPr id="5" name="Footer Placeholder 4"/>
+          <p:cNvSpPr>
+            <a:spLocks noGrp="1"/>
+          </p:cNvSpPr>
+          <p:nvPr>
+            <p:ph type="ftr" sz="quarter" idx="4"/>
+          </p:nvPr>
+        </p:nvSpPr>
+        <p:spPr/>
+        <p:txBody>
+          <a:bodyPr/>
+          <a:lstStyle/>
+          <a:p>
+            <a:pPr defTabSz="914099" eaLnBrk="0" hangingPunct="0"/>
+            <a:r>
+              <a:rPr lang="en-US" sz="400">
+                <a:gradFill>
+                  <a:gsLst>
+                    <a:gs pos="0">
+                      <a:prstClr val="black"/>
+                    </a:gs>
+                    <a:gs pos="100000">
+                      <a:prstClr val="black"/>
+                    </a:gs>
+                  </a:gsLst>
+                  <a:lin ang="5400000" scaled="0"/>
+                </a:gradFill>
+                <a:latin typeface="Segoe UI" pitchFamily="34" charset="0"/>
+                <a:ea typeface="Segoe UI" pitchFamily="34" charset="0"/>
+                <a:cs typeface="Segoe UI" pitchFamily="34" charset="0"/>
+              </a:rPr>
+              <a:t>© Microsoft Corporation</a:t>
+            </a:r>
+          </a:p>
+        </p:txBody>
+      </p:sp>
+      <p:sp>
+        <p:nvSpPr>
+          <p:cNvPr id="6" name="Slide Number Placeholder 5"/>
           <p:cNvSpPr>
             <a:spLocks noGrp="1"/>
           </p:cNvSpPr>
@@ -7620,8 +7532,9 @@
           <a:bodyPr/>
           <a:lstStyle/>
           <a:p>
-            <a:fld id="{8507DC7E-BC41-4478-BA30-CBCC3A644F0A}" type="slidenum">
+            <a:fld id="{B4008EB6-D09E-4580-8CD6-DDB14511944F}" type="slidenum">
               <a:rPr lang="en-US" smtClean="0"/>
+              <a:pPr/>
               <a:t>55</a:t>
             </a:fld>
             <a:endParaRPr lang="en-US"/>
@@ -7631,7 +7544,7 @@
     </p:spTree>
     <p:extLst>
       <p:ext uri="{BB962C8B-B14F-4D97-AF65-F5344CB8AC3E}">
-        <p14:creationId xmlns:p14="http://schemas.microsoft.com/office/powerpoint/2010/main" val="337272874"/>
+        <p14:creationId xmlns:p14="http://schemas.microsoft.com/office/powerpoint/2010/main" val="381501505"/>
       </p:ext>
     </p:extLst>
   </p:cSld>
@@ -7704,7 +7617,7 @@
             </a:pPr>
             <a:r>
               <a:rPr lang="en-US" dirty="0"/>
-              <a:t>LAB 02a - Manage Subscriptions and RBAC - ESTIMATED DURATION 30 MIN</a:t>
+              <a:t>LAB 02b - Manage Governance via Azure Policy - ESTIMATED DURATION 30 MIN</a:t>
             </a:r>
           </a:p>
           <a:p>
@@ -7751,26 +7664,6 @@
             <a:endParaRPr lang="en-US" dirty="0"/>
           </a:p>
           <a:p>
-            <a:pPr marL="0" marR="0" lvl="0" indent="0" algn="l" defTabSz="932742" rtl="0" eaLnBrk="1" fontAlgn="auto" latinLnBrk="0" hangingPunct="1">
-              <a:lnSpc>
-                <a:spcPct val="90000"/>
-              </a:lnSpc>
-              <a:spcBef>
-                <a:spcPts val="0"/>
-              </a:spcBef>
-              <a:spcAft>
-                <a:spcPts val="340"/>
-              </a:spcAft>
-              <a:buClrTx/>
-              <a:buSzTx/>
-              <a:buFontTx/>
-              <a:buNone/>
-              <a:tabLst/>
-              <a:defRPr/>
-            </a:pPr>
-            <a:endParaRPr lang="en-US" dirty="0"/>
-          </a:p>
-          <a:p>
             <a:endParaRPr lang="en-US" dirty="0"/>
           </a:p>
         </p:txBody>
@@ -7850,7 +7743,7 @@
             <a:fld id="{B4008EB6-D09E-4580-8CD6-DDB14511944F}" type="slidenum">
               <a:rPr lang="en-US" smtClean="0"/>
               <a:pPr/>
-              <a:t>56</a:t>
+              <a:t>57</a:t>
             </a:fld>
             <a:endParaRPr lang="en-US"/>
           </a:p>
@@ -7859,7 +7752,7 @@
     </p:spTree>
     <p:extLst>
       <p:ext uri="{BB962C8B-B14F-4D97-AF65-F5344CB8AC3E}">
-        <p14:creationId xmlns:p14="http://schemas.microsoft.com/office/powerpoint/2010/main" val="381501505"/>
+        <p14:creationId xmlns:p14="http://schemas.microsoft.com/office/powerpoint/2010/main" val="1914719830"/>
       </p:ext>
     </p:extLst>
   </p:cSld>
@@ -7991,7 +7884,7 @@
           <a:p>
             <a:fld id="{72E0C910-0166-48E0-B8EF-5071277A02A8}" type="datetime8">
               <a:rPr lang="en-US" smtClean="0"/>
-              <a:t>11/25/2022 3:11 PM</a:t>
+              <a:t>12/12/2022 6:49 AM</a:t>
             </a:fld>
             <a:endParaRPr lang="en-US"/>
           </a:p>
@@ -8078,72 +7971,6 @@
           <a:bodyPr/>
           <a:lstStyle/>
           <a:p>
-            <a:pPr marL="0" marR="0" lvl="0" indent="0" algn="l" defTabSz="932742" rtl="0" eaLnBrk="1" fontAlgn="auto" latinLnBrk="0" hangingPunct="1">
-              <a:lnSpc>
-                <a:spcPct val="90000"/>
-              </a:lnSpc>
-              <a:spcBef>
-                <a:spcPts val="0"/>
-              </a:spcBef>
-              <a:spcAft>
-                <a:spcPts val="340"/>
-              </a:spcAft>
-              <a:buClrTx/>
-              <a:buSzTx/>
-              <a:buFontTx/>
-              <a:buNone/>
-              <a:tabLst/>
-              <a:defRPr/>
-            </a:pPr>
-            <a:r>
-              <a:rPr lang="en-US" dirty="0"/>
-              <a:t>LAB 02b - Manage Governance via Azure Policy - ESTIMATED DURATION 30 MIN</a:t>
-            </a:r>
-          </a:p>
-          <a:p>
-            <a:pPr marL="0" marR="0" lvl="0" indent="0" algn="l" defTabSz="932742" rtl="0" eaLnBrk="1" fontAlgn="auto" latinLnBrk="0" hangingPunct="1">
-              <a:lnSpc>
-                <a:spcPct val="90000"/>
-              </a:lnSpc>
-              <a:spcBef>
-                <a:spcPts val="0"/>
-              </a:spcBef>
-              <a:spcAft>
-                <a:spcPts val="340"/>
-              </a:spcAft>
-              <a:buClrTx/>
-              <a:buSzTx/>
-              <a:buFontTx/>
-              <a:buNone/>
-              <a:tabLst/>
-              <a:defRPr/>
-            </a:pPr>
-            <a:r>
-              <a:rPr lang="en-US" dirty="0"/>
-              <a:t>Lab Repository - https://microsoftlearning.github.io/AZ-104-MicrosoftAzureAdministrator/</a:t>
-            </a:r>
-          </a:p>
-          <a:p>
-            <a:pPr marL="0" marR="0" lvl="0" indent="0" algn="l" defTabSz="932742" rtl="0" eaLnBrk="1" fontAlgn="auto" latinLnBrk="0" hangingPunct="1">
-              <a:lnSpc>
-                <a:spcPct val="90000"/>
-              </a:lnSpc>
-              <a:spcBef>
-                <a:spcPts val="0"/>
-              </a:spcBef>
-              <a:spcAft>
-                <a:spcPts val="340"/>
-              </a:spcAft>
-              <a:buClrTx/>
-              <a:buSzTx/>
-              <a:buFontTx/>
-              <a:buNone/>
-              <a:tabLst/>
-              <a:defRPr/>
-            </a:pPr>
-            <a:endParaRPr lang="en-US" dirty="0"/>
-          </a:p>
-          <a:p>
             <a:endParaRPr lang="en-US" dirty="0"/>
           </a:p>
         </p:txBody>
@@ -8232,7 +8059,7 @@
     </p:spTree>
     <p:extLst>
       <p:ext uri="{BB962C8B-B14F-4D97-AF65-F5344CB8AC3E}">
-        <p14:creationId xmlns:p14="http://schemas.microsoft.com/office/powerpoint/2010/main" val="1914719830"/>
+        <p14:creationId xmlns:p14="http://schemas.microsoft.com/office/powerpoint/2010/main" val="3338297025"/>
       </p:ext>
     </p:extLst>
   </p:cSld>
@@ -8286,148 +8113,6 @@
           <a:bodyPr/>
           <a:lstStyle/>
           <a:p>
-            <a:endParaRPr lang="en-US" dirty="0"/>
-          </a:p>
-        </p:txBody>
-      </p:sp>
-      <p:sp>
-        <p:nvSpPr>
-          <p:cNvPr id="4" name="Header Placeholder 3"/>
-          <p:cNvSpPr>
-            <a:spLocks noGrp="1"/>
-          </p:cNvSpPr>
-          <p:nvPr>
-            <p:ph type="hdr" sz="quarter"/>
-          </p:nvPr>
-        </p:nvSpPr>
-        <p:spPr/>
-        <p:txBody>
-          <a:bodyPr/>
-          <a:lstStyle/>
-          <a:p>
-            <a:endParaRPr lang="en-US"/>
-          </a:p>
-        </p:txBody>
-      </p:sp>
-      <p:sp>
-        <p:nvSpPr>
-          <p:cNvPr id="5" name="Footer Placeholder 4"/>
-          <p:cNvSpPr>
-            <a:spLocks noGrp="1"/>
-          </p:cNvSpPr>
-          <p:nvPr>
-            <p:ph type="ftr" sz="quarter" idx="4"/>
-          </p:nvPr>
-        </p:nvSpPr>
-        <p:spPr/>
-        <p:txBody>
-          <a:bodyPr/>
-          <a:lstStyle/>
-          <a:p>
-            <a:pPr defTabSz="914099" eaLnBrk="0" hangingPunct="0"/>
-            <a:r>
-              <a:rPr lang="en-US" sz="400">
-                <a:gradFill>
-                  <a:gsLst>
-                    <a:gs pos="0">
-                      <a:prstClr val="black"/>
-                    </a:gs>
-                    <a:gs pos="100000">
-                      <a:prstClr val="black"/>
-                    </a:gs>
-                  </a:gsLst>
-                  <a:lin ang="5400000" scaled="0"/>
-                </a:gradFill>
-                <a:latin typeface="Segoe UI" pitchFamily="34" charset="0"/>
-                <a:ea typeface="Segoe UI" pitchFamily="34" charset="0"/>
-                <a:cs typeface="Segoe UI" pitchFamily="34" charset="0"/>
-              </a:rPr>
-              <a:t>© Microsoft Corporation</a:t>
-            </a:r>
-          </a:p>
-        </p:txBody>
-      </p:sp>
-      <p:sp>
-        <p:nvSpPr>
-          <p:cNvPr id="6" name="Slide Number Placeholder 5"/>
-          <p:cNvSpPr>
-            <a:spLocks noGrp="1"/>
-          </p:cNvSpPr>
-          <p:nvPr>
-            <p:ph type="sldNum" sz="quarter" idx="5"/>
-          </p:nvPr>
-        </p:nvSpPr>
-        <p:spPr/>
-        <p:txBody>
-          <a:bodyPr/>
-          <a:lstStyle/>
-          <a:p>
-            <a:fld id="{B4008EB6-D09E-4580-8CD6-DDB14511944F}" type="slidenum">
-              <a:rPr lang="en-US" smtClean="0"/>
-              <a:pPr/>
-              <a:t>59</a:t>
-            </a:fld>
-            <a:endParaRPr lang="en-US"/>
-          </a:p>
-        </p:txBody>
-      </p:sp>
-    </p:spTree>
-    <p:extLst>
-      <p:ext uri="{BB962C8B-B14F-4D97-AF65-F5344CB8AC3E}">
-        <p14:creationId xmlns:p14="http://schemas.microsoft.com/office/powerpoint/2010/main" val="3338297025"/>
-      </p:ext>
-    </p:extLst>
-  </p:cSld>
-  <p:clrMapOvr>
-    <a:masterClrMapping/>
-  </p:clrMapOvr>
-</p:notes>
-</file>
-
-<file path=ppt/notesSlides/notesSlide42.xml><?xml version="1.0" encoding="utf-8"?>
-<p:notes xmlns:a="http://schemas.openxmlformats.org/drawingml/2006/main" xmlns:r="http://schemas.openxmlformats.org/officeDocument/2006/relationships" xmlns:p="http://schemas.openxmlformats.org/presentationml/2006/main">
-  <p:cSld>
-    <p:spTree>
-      <p:nvGrpSpPr>
-        <p:cNvPr id="1" name=""/>
-        <p:cNvGrpSpPr/>
-        <p:nvPr/>
-      </p:nvGrpSpPr>
-      <p:grpSpPr>
-        <a:xfrm>
-          <a:off x="0" y="0"/>
-          <a:ext cx="0" cy="0"/>
-          <a:chOff x="0" y="0"/>
-          <a:chExt cx="0" cy="0"/>
-        </a:xfrm>
-      </p:grpSpPr>
-      <p:sp>
-        <p:nvSpPr>
-          <p:cNvPr id="2" name="Slide Image Placeholder 1"/>
-          <p:cNvSpPr>
-            <a:spLocks noGrp="1" noRot="1" noChangeAspect="1"/>
-          </p:cNvSpPr>
-          <p:nvPr>
-            <p:ph type="sldImg"/>
-          </p:nvPr>
-        </p:nvSpPr>
-        <p:spPr/>
-      </p:sp>
-      <p:sp>
-        <p:nvSpPr>
-          <p:cNvPr id="3" name="Notes Placeholder 2"/>
-          <p:cNvSpPr>
-            <a:spLocks noGrp="1"/>
-          </p:cNvSpPr>
-          <p:nvPr>
-            <p:ph type="body" idx="1"/>
-          </p:nvPr>
-        </p:nvSpPr>
-        <p:spPr/>
-        <p:txBody>
-          <a:bodyPr/>
-          <a:lstStyle/>
-          <a:p>
             <a:pPr marL="0" marR="0" lvl="0" indent="0" algn="l" defTabSz="932742" rtl="0" eaLnBrk="1" fontAlgn="auto" latinLnBrk="0" hangingPunct="1">
               <a:lnSpc>
                 <a:spcPct val="90000"/>
@@ -8575,7 +8260,7 @@
           <a:p>
             <a:fld id="{386CE63F-9E7F-4C04-9D0D-FCA25A8E9E86}" type="datetime8">
               <a:rPr lang="en-US" smtClean="0"/>
-              <a:t>11/25/2022 3:08 PM</a:t>
+              <a:t>12/12/2022 6:49 AM</a:t>
             </a:fld>
             <a:endParaRPr lang="en-US"/>
           </a:p>
@@ -8599,7 +8284,7 @@
             <a:fld id="{B4008EB6-D09E-4580-8CD6-DDB14511944F}" type="slidenum">
               <a:rPr lang="en-US" smtClean="0"/>
               <a:pPr/>
-              <a:t>60</a:t>
+              <a:t>59</a:t>
             </a:fld>
             <a:endParaRPr lang="en-US"/>
           </a:p>
@@ -8949,7 +8634,7 @@
           <a:p>
             <a:fld id="{72E0C910-0166-48E0-B8EF-5071277A02A8}" type="datetime8">
               <a:rPr lang="en-US" smtClean="0"/>
-              <a:t>11/25/2022 3:19 PM</a:t>
+              <a:t>12/12/2022 6:49 AM</a:t>
             </a:fld>
             <a:endParaRPr lang="en-US"/>
           </a:p>
@@ -9117,7 +8802,7 @@
           <a:p>
             <a:fld id="{386CE63F-9E7F-4C04-9D0D-FCA25A8E9E86}" type="datetime8">
               <a:rPr lang="en-US" smtClean="0"/>
-              <a:t>11/25/2022 3:08 PM</a:t>
+              <a:t>12/12/2022 6:49 AM</a:t>
             </a:fld>
             <a:endParaRPr lang="en-US"/>
           </a:p>
@@ -9317,7 +9002,7 @@
           <a:p>
             <a:fld id="{72E0C910-0166-48E0-B8EF-5071277A02A8}" type="datetime8">
               <a:rPr lang="en-US" smtClean="0"/>
-              <a:t>11/25/2022 3:08 PM</a:t>
+              <a:t>12/12/2022 6:49 AM</a:t>
             </a:fld>
             <a:endParaRPr lang="en-US"/>
           </a:p>
@@ -9505,7 +9190,7 @@
           <a:p>
             <a:fld id="{9427A7F7-BB1E-479D-AFAA-B52F4D0C99F2}" type="datetime8">
               <a:rPr lang="en-US" smtClean="0"/>
-              <a:t>11/25/2022 3:08 PM</a:t>
+              <a:t>12/12/2022 6:49 AM</a:t>
             </a:fld>
             <a:endParaRPr lang="en-US"/>
           </a:p>
@@ -9709,7 +9394,7 @@
           <a:p>
             <a:fld id="{9427A7F7-BB1E-479D-AFAA-B52F4D0C99F2}" type="datetime8">
               <a:rPr lang="en-US" smtClean="0"/>
-              <a:t>11/25/2022 3:08 PM</a:t>
+              <a:t>12/12/2022 6:49 AM</a:t>
             </a:fld>
             <a:endParaRPr lang="en-US"/>
           </a:p>
@@ -30346,245 +30031,6 @@
           <p:cNvPr id="2" name="Title 1">
             <a:extLst>
               <a:ext uri="{FF2B5EF4-FFF2-40B4-BE49-F238E27FC236}">
-                <a16:creationId xmlns:a16="http://schemas.microsoft.com/office/drawing/2014/main" id="{ED597DF0-A155-3371-3B0D-68AC935C83EA}"/>
-              </a:ext>
-            </a:extLst>
-          </p:cNvPr>
-          <p:cNvSpPr>
-            <a:spLocks noGrp="1"/>
-          </p:cNvSpPr>
-          <p:nvPr>
-            <p:ph type="title"/>
-          </p:nvPr>
-        </p:nvSpPr>
-        <p:spPr/>
-        <p:txBody>
-          <a:bodyPr/>
-          <a:lstStyle/>
-          <a:p>
-            <a:r>
-              <a:rPr lang="en-GB" dirty="0"/>
-              <a:t>RBAC Role Definition Actions</a:t>
-            </a:r>
-          </a:p>
-        </p:txBody>
-      </p:sp>
-      <p:sp>
-        <p:nvSpPr>
-          <p:cNvPr id="3" name="TextBox 2">
-            <a:extLst>
-              <a:ext uri="{FF2B5EF4-FFF2-40B4-BE49-F238E27FC236}">
-                <a16:creationId xmlns:a16="http://schemas.microsoft.com/office/drawing/2014/main" id="{8418F1AE-EC82-E9AB-AAFD-848015382912}"/>
-              </a:ext>
-            </a:extLst>
-          </p:cNvPr>
-          <p:cNvSpPr txBox="1"/>
-          <p:nvPr/>
-        </p:nvSpPr>
-        <p:spPr>
-          <a:xfrm>
-            <a:off x="427038" y="1435261"/>
-            <a:ext cx="11680081" cy="3988784"/>
-          </a:xfrm>
-          <a:prstGeom prst="rect">
-            <a:avLst/>
-          </a:prstGeom>
-          <a:noFill/>
-        </p:spPr>
-        <p:txBody>
-          <a:bodyPr wrap="square" lIns="182880" tIns="146304" rIns="182880" bIns="146304" rtlCol="0">
-            <a:spAutoFit/>
-          </a:bodyPr>
-          <a:lstStyle/>
-          <a:p>
-            <a:pPr algn="l"/>
-            <a:r>
-              <a:rPr lang="en-GB" sz="2400" b="1" i="1" dirty="0">
-                <a:solidFill>
-                  <a:srgbClr val="171717"/>
-                </a:solidFill>
-                <a:effectLst/>
-                <a:latin typeface="Segoe UI" panose="020B0502040204020203" pitchFamily="34" charset="0"/>
-              </a:rPr>
-              <a:t>Actions</a:t>
-            </a:r>
-            <a:r>
-              <a:rPr lang="en-GB" sz="2400" b="0" i="0" dirty="0">
-                <a:solidFill>
-                  <a:srgbClr val="171717"/>
-                </a:solidFill>
-                <a:effectLst/>
-                <a:latin typeface="Segoe UI" panose="020B0502040204020203" pitchFamily="34" charset="0"/>
-              </a:rPr>
-              <a:t> permissions identify what actions are allowed.</a:t>
-            </a:r>
-          </a:p>
-          <a:p>
-            <a:pPr algn="l">
-              <a:buFont typeface="Arial" panose="020B0604020202020204" pitchFamily="34" charset="0"/>
-              <a:buChar char="•"/>
-            </a:pPr>
-            <a:endParaRPr lang="en-GB" sz="2400" b="0" i="0" dirty="0">
-              <a:solidFill>
-                <a:srgbClr val="171717"/>
-              </a:solidFill>
-              <a:effectLst/>
-              <a:latin typeface="Segoe UI" panose="020B0502040204020203" pitchFamily="34" charset="0"/>
-            </a:endParaRPr>
-          </a:p>
-          <a:p>
-            <a:pPr algn="l"/>
-            <a:r>
-              <a:rPr lang="en-GB" sz="2400" b="1" i="1" dirty="0">
-                <a:solidFill>
-                  <a:srgbClr val="171717"/>
-                </a:solidFill>
-                <a:effectLst/>
-                <a:latin typeface="Segoe UI" panose="020B0502040204020203" pitchFamily="34" charset="0"/>
-              </a:rPr>
-              <a:t>NotActions</a:t>
-            </a:r>
-            <a:r>
-              <a:rPr lang="en-GB" sz="2400" b="0" i="0" dirty="0">
-                <a:solidFill>
-                  <a:srgbClr val="171717"/>
-                </a:solidFill>
-                <a:effectLst/>
-                <a:latin typeface="Segoe UI" panose="020B0502040204020203" pitchFamily="34" charset="0"/>
-              </a:rPr>
-              <a:t> permissions specify what actions aren't allowed.</a:t>
-            </a:r>
-          </a:p>
-          <a:p>
-            <a:pPr algn="l">
-              <a:buFont typeface="Arial" panose="020B0604020202020204" pitchFamily="34" charset="0"/>
-              <a:buChar char="•"/>
-            </a:pPr>
-            <a:endParaRPr lang="en-GB" sz="2400" b="0" i="0" dirty="0">
-              <a:solidFill>
-                <a:srgbClr val="171717"/>
-              </a:solidFill>
-              <a:effectLst/>
-              <a:latin typeface="Segoe UI" panose="020B0502040204020203" pitchFamily="34" charset="0"/>
-            </a:endParaRPr>
-          </a:p>
-          <a:p>
-            <a:pPr algn="l"/>
-            <a:r>
-              <a:rPr lang="en-GB" sz="2400" b="1" i="1" dirty="0" err="1">
-                <a:solidFill>
-                  <a:srgbClr val="171717"/>
-                </a:solidFill>
-                <a:effectLst/>
-                <a:latin typeface="Segoe UI" panose="020B0502040204020203" pitchFamily="34" charset="0"/>
-              </a:rPr>
-              <a:t>DataActions</a:t>
-            </a:r>
-            <a:r>
-              <a:rPr lang="en-GB" sz="2400" b="0" i="0" dirty="0">
-                <a:solidFill>
-                  <a:srgbClr val="171717"/>
-                </a:solidFill>
-                <a:effectLst/>
-                <a:latin typeface="Segoe UI" panose="020B0502040204020203" pitchFamily="34" charset="0"/>
-              </a:rPr>
-              <a:t> permissions indicate how data can be changed or used.</a:t>
-            </a:r>
-          </a:p>
-          <a:p>
-            <a:pPr algn="l">
-              <a:buFont typeface="Arial" panose="020B0604020202020204" pitchFamily="34" charset="0"/>
-              <a:buChar char="•"/>
-            </a:pPr>
-            <a:endParaRPr lang="en-GB" sz="2400" b="0" i="0" dirty="0">
-              <a:solidFill>
-                <a:srgbClr val="171717"/>
-              </a:solidFill>
-              <a:effectLst/>
-              <a:latin typeface="Segoe UI" panose="020B0502040204020203" pitchFamily="34" charset="0"/>
-            </a:endParaRPr>
-          </a:p>
-          <a:p>
-            <a:pPr algn="l"/>
-            <a:r>
-              <a:rPr lang="en-GB" sz="2400" b="1" i="1" dirty="0">
-                <a:solidFill>
-                  <a:srgbClr val="171717"/>
-                </a:solidFill>
-                <a:effectLst/>
-                <a:latin typeface="Segoe UI" panose="020B0502040204020203" pitchFamily="34" charset="0"/>
-              </a:rPr>
-              <a:t>AssignableScopes</a:t>
-            </a:r>
-            <a:r>
-              <a:rPr lang="en-GB" sz="2400" b="0" i="0" dirty="0">
-                <a:solidFill>
-                  <a:srgbClr val="171717"/>
-                </a:solidFill>
-                <a:effectLst/>
-                <a:latin typeface="Segoe UI" panose="020B0502040204020203" pitchFamily="34" charset="0"/>
-              </a:rPr>
-              <a:t> permissions list the scopes where a role definition can be assigned.</a:t>
-            </a:r>
-          </a:p>
-          <a:p>
-            <a:br>
-              <a:rPr lang="en-GB" sz="2400" dirty="0"/>
-            </a:br>
-            <a:endParaRPr lang="en-GB" sz="2400" dirty="0">
-              <a:gradFill>
-                <a:gsLst>
-                  <a:gs pos="2917">
-                    <a:schemeClr val="tx1"/>
-                  </a:gs>
-                  <a:gs pos="30000">
-                    <a:schemeClr val="tx1"/>
-                  </a:gs>
-                </a:gsLst>
-                <a:lin ang="5400000" scaled="0"/>
-              </a:gradFill>
-            </a:endParaRPr>
-          </a:p>
-        </p:txBody>
-      </p:sp>
-    </p:spTree>
-    <p:extLst>
-      <p:ext uri="{BB962C8B-B14F-4D97-AF65-F5344CB8AC3E}">
-        <p14:creationId xmlns:p14="http://schemas.microsoft.com/office/powerpoint/2010/main" val="3236540663"/>
-      </p:ext>
-    </p:extLst>
-  </p:cSld>
-  <p:clrMapOvr>
-    <a:masterClrMapping/>
-  </p:clrMapOvr>
-  <p:transition>
-    <p:fade/>
-  </p:transition>
-</p:sld>
-</file>
-
-<file path=ppt/slides/slide45.xml><?xml version="1.0" encoding="utf-8"?>
-<p:sld xmlns:a="http://schemas.openxmlformats.org/drawingml/2006/main" xmlns:r="http://schemas.openxmlformats.org/officeDocument/2006/relationships" xmlns:p="http://schemas.openxmlformats.org/presentationml/2006/main">
-  <p:cSld>
-    <p:spTree>
-      <p:nvGrpSpPr>
-        <p:cNvPr id="1" name=""/>
-        <p:cNvGrpSpPr/>
-        <p:nvPr/>
-      </p:nvGrpSpPr>
-      <p:grpSpPr>
-        <a:xfrm>
-          <a:off x="0" y="0"/>
-          <a:ext cx="0" cy="0"/>
-          <a:chOff x="0" y="0"/>
-          <a:chExt cx="0" cy="0"/>
-        </a:xfrm>
-      </p:grpSpPr>
-      <p:sp>
-        <p:nvSpPr>
-          <p:cNvPr id="2" name="Title 1">
-            <a:extLst>
-              <a:ext uri="{FF2B5EF4-FFF2-40B4-BE49-F238E27FC236}">
                 <a16:creationId xmlns:a16="http://schemas.microsoft.com/office/drawing/2014/main" id="{5DA5622F-DF35-B27F-967B-68B24DBB5CEF}"/>
               </a:ext>
             </a:extLst>
@@ -30654,7 +30100,7 @@
 </p:sld>
 </file>
 
-<file path=ppt/slides/slide46.xml><?xml version="1.0" encoding="utf-8"?>
+<file path=ppt/slides/slide45.xml><?xml version="1.0" encoding="utf-8"?>
 <p:sld xmlns:a="http://schemas.openxmlformats.org/drawingml/2006/main" xmlns:r="http://schemas.openxmlformats.org/officeDocument/2006/relationships" xmlns:p="http://schemas.openxmlformats.org/presentationml/2006/main">
   <p:cSld>
     <p:spTree>
@@ -30826,7 +30272,7 @@
 </p:sld>
 </file>
 
-<file path=ppt/slides/slide47.xml><?xml version="1.0" encoding="utf-8"?>
+<file path=ppt/slides/slide46.xml><?xml version="1.0" encoding="utf-8"?>
 <p:sld xmlns:a="http://schemas.openxmlformats.org/drawingml/2006/main" xmlns:r="http://schemas.openxmlformats.org/officeDocument/2006/relationships" xmlns:p="http://schemas.openxmlformats.org/presentationml/2006/main">
   <p:cSld>
     <p:spTree>
@@ -30934,7 +30380,7 @@
 </p:sld>
 </file>
 
-<file path=ppt/slides/slide48.xml><?xml version="1.0" encoding="utf-8"?>
+<file path=ppt/slides/slide47.xml><?xml version="1.0" encoding="utf-8"?>
 <p:sld xmlns:a="http://schemas.openxmlformats.org/drawingml/2006/main" xmlns:r="http://schemas.openxmlformats.org/officeDocument/2006/relationships" xmlns:p="http://schemas.openxmlformats.org/presentationml/2006/main">
   <p:cSld>
     <p:spTree>
@@ -31132,7 +30578,7 @@
 </p:sld>
 </file>
 
-<file path=ppt/slides/slide49.xml><?xml version="1.0" encoding="utf-8"?>
+<file path=ppt/slides/slide48.xml><?xml version="1.0" encoding="utf-8"?>
 <p:sld xmlns:a="http://schemas.openxmlformats.org/drawingml/2006/main" xmlns:r="http://schemas.openxmlformats.org/officeDocument/2006/relationships" xmlns:p="http://schemas.openxmlformats.org/presentationml/2006/main">
   <p:cSld>
     <p:spTree>
@@ -34098,6 +33544,97 @@
 </p:sld>
 </file>
 
+<file path=ppt/slides/slide49.xml><?xml version="1.0" encoding="utf-8"?>
+<p:sld xmlns:a="http://schemas.openxmlformats.org/drawingml/2006/main" xmlns:r="http://schemas.openxmlformats.org/officeDocument/2006/relationships" xmlns:p="http://schemas.openxmlformats.org/presentationml/2006/main">
+  <p:cSld>
+    <p:spTree>
+      <p:nvGrpSpPr>
+        <p:cNvPr id="1" name=""/>
+        <p:cNvGrpSpPr/>
+        <p:nvPr/>
+      </p:nvGrpSpPr>
+      <p:grpSpPr>
+        <a:xfrm>
+          <a:off x="0" y="0"/>
+          <a:ext cx="0" cy="0"/>
+          <a:chOff x="0" y="0"/>
+          <a:chExt cx="0" cy="0"/>
+        </a:xfrm>
+      </p:grpSpPr>
+      <p:sp>
+        <p:nvSpPr>
+          <p:cNvPr id="2" name="Title 1">
+            <a:extLst>
+              <a:ext uri="{FF2B5EF4-FFF2-40B4-BE49-F238E27FC236}">
+                <a16:creationId xmlns:a16="http://schemas.microsoft.com/office/drawing/2014/main" id="{658E2750-68F6-0826-F00C-28C469279413}"/>
+              </a:ext>
+            </a:extLst>
+          </p:cNvPr>
+          <p:cNvSpPr>
+            <a:spLocks noGrp="1"/>
+          </p:cNvSpPr>
+          <p:nvPr>
+            <p:ph type="title"/>
+          </p:nvPr>
+        </p:nvSpPr>
+        <p:spPr/>
+        <p:txBody>
+          <a:bodyPr/>
+          <a:lstStyle/>
+          <a:p>
+            <a:r>
+              <a:rPr lang="en-GB" dirty="0"/>
+              <a:t>Reminder: Compare Azure RBAC with Azure AD Admin</a:t>
+            </a:r>
+          </a:p>
+        </p:txBody>
+      </p:sp>
+      <p:pic>
+        <p:nvPicPr>
+          <p:cNvPr id="4" name="Picture 3">
+            <a:extLst>
+              <a:ext uri="{FF2B5EF4-FFF2-40B4-BE49-F238E27FC236}">
+                <a16:creationId xmlns:a16="http://schemas.microsoft.com/office/drawing/2014/main" id="{FD32DA85-150E-7E92-C36B-B00E949EEBBE}"/>
+              </a:ext>
+            </a:extLst>
+          </p:cNvPr>
+          <p:cNvPicPr>
+            <a:picLocks noChangeAspect="1"/>
+          </p:cNvPicPr>
+          <p:nvPr/>
+        </p:nvPicPr>
+        <p:blipFill>
+          <a:blip r:embed="rId2"/>
+          <a:stretch>
+            <a:fillRect/>
+          </a:stretch>
+        </p:blipFill>
+        <p:spPr>
+          <a:xfrm>
+            <a:off x="316091" y="1702850"/>
+            <a:ext cx="11804292" cy="4200232"/>
+          </a:xfrm>
+          <a:prstGeom prst="rect">
+            <a:avLst/>
+          </a:prstGeom>
+        </p:spPr>
+      </p:pic>
+    </p:spTree>
+    <p:extLst>
+      <p:ext uri="{BB962C8B-B14F-4D97-AF65-F5344CB8AC3E}">
+        <p14:creationId xmlns:p14="http://schemas.microsoft.com/office/powerpoint/2010/main" val="3784638002"/>
+      </p:ext>
+    </p:extLst>
+  </p:cSld>
+  <p:clrMapOvr>
+    <a:masterClrMapping/>
+  </p:clrMapOvr>
+  <p:transition>
+    <p:fade/>
+  </p:transition>
+</p:sld>
+</file>
+
 <file path=ppt/slides/slide5.xml><?xml version="1.0" encoding="utf-8"?>
 <p:sld xmlns:a="http://schemas.openxmlformats.org/drawingml/2006/main" xmlns:r="http://schemas.openxmlformats.org/officeDocument/2006/relationships" xmlns:p="http://schemas.openxmlformats.org/presentationml/2006/main">
   <p:cSld>
@@ -34852,97 +34389,6 @@
 </file>
 
 <file path=ppt/slides/slide50.xml><?xml version="1.0" encoding="utf-8"?>
-<p:sld xmlns:a="http://schemas.openxmlformats.org/drawingml/2006/main" xmlns:r="http://schemas.openxmlformats.org/officeDocument/2006/relationships" xmlns:p="http://schemas.openxmlformats.org/presentationml/2006/main">
-  <p:cSld>
-    <p:spTree>
-      <p:nvGrpSpPr>
-        <p:cNvPr id="1" name=""/>
-        <p:cNvGrpSpPr/>
-        <p:nvPr/>
-      </p:nvGrpSpPr>
-      <p:grpSpPr>
-        <a:xfrm>
-          <a:off x="0" y="0"/>
-          <a:ext cx="0" cy="0"/>
-          <a:chOff x="0" y="0"/>
-          <a:chExt cx="0" cy="0"/>
-        </a:xfrm>
-      </p:grpSpPr>
-      <p:sp>
-        <p:nvSpPr>
-          <p:cNvPr id="2" name="Title 1">
-            <a:extLst>
-              <a:ext uri="{FF2B5EF4-FFF2-40B4-BE49-F238E27FC236}">
-                <a16:creationId xmlns:a16="http://schemas.microsoft.com/office/drawing/2014/main" id="{658E2750-68F6-0826-F00C-28C469279413}"/>
-              </a:ext>
-            </a:extLst>
-          </p:cNvPr>
-          <p:cNvSpPr>
-            <a:spLocks noGrp="1"/>
-          </p:cNvSpPr>
-          <p:nvPr>
-            <p:ph type="title"/>
-          </p:nvPr>
-        </p:nvSpPr>
-        <p:spPr/>
-        <p:txBody>
-          <a:bodyPr/>
-          <a:lstStyle/>
-          <a:p>
-            <a:r>
-              <a:rPr lang="en-GB" dirty="0"/>
-              <a:t>Reminder: Compare Azure RBAC with Azure AD Admin</a:t>
-            </a:r>
-          </a:p>
-        </p:txBody>
-      </p:sp>
-      <p:pic>
-        <p:nvPicPr>
-          <p:cNvPr id="4" name="Picture 3">
-            <a:extLst>
-              <a:ext uri="{FF2B5EF4-FFF2-40B4-BE49-F238E27FC236}">
-                <a16:creationId xmlns:a16="http://schemas.microsoft.com/office/drawing/2014/main" id="{FD32DA85-150E-7E92-C36B-B00E949EEBBE}"/>
-              </a:ext>
-            </a:extLst>
-          </p:cNvPr>
-          <p:cNvPicPr>
-            <a:picLocks noChangeAspect="1"/>
-          </p:cNvPicPr>
-          <p:nvPr/>
-        </p:nvPicPr>
-        <p:blipFill>
-          <a:blip r:embed="rId2"/>
-          <a:stretch>
-            <a:fillRect/>
-          </a:stretch>
-        </p:blipFill>
-        <p:spPr>
-          <a:xfrm>
-            <a:off x="316091" y="1702850"/>
-            <a:ext cx="11804292" cy="4200232"/>
-          </a:xfrm>
-          <a:prstGeom prst="rect">
-            <a:avLst/>
-          </a:prstGeom>
-        </p:spPr>
-      </p:pic>
-    </p:spTree>
-    <p:extLst>
-      <p:ext uri="{BB962C8B-B14F-4D97-AF65-F5344CB8AC3E}">
-        <p14:creationId xmlns:p14="http://schemas.microsoft.com/office/powerpoint/2010/main" val="3784638002"/>
-      </p:ext>
-    </p:extLst>
-  </p:cSld>
-  <p:clrMapOvr>
-    <a:masterClrMapping/>
-  </p:clrMapOvr>
-  <p:transition>
-    <p:fade/>
-  </p:transition>
-</p:sld>
-</file>
-
-<file path=ppt/slides/slide51.xml><?xml version="1.0" encoding="utf-8"?>
 <p:sld xmlns:a="http://schemas.openxmlformats.org/drawingml/2006/main" xmlns:r="http://schemas.openxmlformats.org/officeDocument/2006/relationships" xmlns:p="http://schemas.openxmlformats.org/presentationml/2006/main">
   <p:cSld>
     <p:spTree>
@@ -37229,7 +36675,7 @@
 </p:sld>
 </file>
 
-<file path=ppt/slides/slide52.xml><?xml version="1.0" encoding="utf-8"?>
+<file path=ppt/slides/slide51.xml><?xml version="1.0" encoding="utf-8"?>
 <p:sld xmlns:a="http://schemas.openxmlformats.org/drawingml/2006/main" xmlns:r="http://schemas.openxmlformats.org/officeDocument/2006/relationships" xmlns:p="http://schemas.openxmlformats.org/presentationml/2006/main">
   <p:cSld>
     <p:spTree>
@@ -37320,7 +36766,7 @@
 </p:sld>
 </file>
 
-<file path=ppt/slides/slide53.xml><?xml version="1.0" encoding="utf-8"?>
+<file path=ppt/slides/slide52.xml><?xml version="1.0" encoding="utf-8"?>
 <p:sld xmlns:a="http://schemas.openxmlformats.org/drawingml/2006/main" xmlns:r="http://schemas.openxmlformats.org/officeDocument/2006/relationships" xmlns:p="http://schemas.openxmlformats.org/presentationml/2006/main">
   <p:cSld>
     <p:spTree>
@@ -37949,7 +37395,7 @@
 </p:sld>
 </file>
 
-<file path=ppt/slides/slide54.xml><?xml version="1.0" encoding="utf-8"?>
+<file path=ppt/slides/slide53.xml><?xml version="1.0" encoding="utf-8"?>
 <p:sld xmlns:a="http://schemas.openxmlformats.org/drawingml/2006/main" xmlns:r="http://schemas.openxmlformats.org/officeDocument/2006/relationships" xmlns:p="http://schemas.openxmlformats.org/presentationml/2006/main">
   <p:cSld>
     <p:spTree>
@@ -38675,7 +38121,7 @@
 </p:sld>
 </file>
 
-<file path=ppt/slides/slide55.xml><?xml version="1.0" encoding="utf-8"?>
+<file path=ppt/slides/slide54.xml><?xml version="1.0" encoding="utf-8"?>
 <p:sld xmlns:a="http://schemas.openxmlformats.org/drawingml/2006/main" xmlns:r="http://schemas.openxmlformats.org/officeDocument/2006/relationships" xmlns:p="http://schemas.openxmlformats.org/presentationml/2006/main">
   <p:cSld>
     <p:spTree>
@@ -38800,7 +38246,7 @@
 </p:sld>
 </file>
 
-<file path=ppt/slides/slide56.xml><?xml version="1.0" encoding="utf-8"?>
+<file path=ppt/slides/slide55.xml><?xml version="1.0" encoding="utf-8"?>
 <p:sld xmlns:a="http://schemas.openxmlformats.org/drawingml/2006/main" xmlns:r="http://schemas.openxmlformats.org/officeDocument/2006/relationships" xmlns:p="http://schemas.openxmlformats.org/presentationml/2006/main">
   <p:cSld>
     <p:spTree>
@@ -40028,7 +39474,7 @@
 </p:sld>
 </file>
 
-<file path=ppt/slides/slide57.xml><?xml version="1.0" encoding="utf-8"?>
+<file path=ppt/slides/slide56.xml><?xml version="1.0" encoding="utf-8"?>
 <p:sld xmlns:a="http://schemas.openxmlformats.org/drawingml/2006/main" xmlns:r="http://schemas.openxmlformats.org/officeDocument/2006/relationships" xmlns:p="http://schemas.openxmlformats.org/presentationml/2006/main">
   <p:cSld>
     <p:spTree>
@@ -42095,7 +41541,7 @@
 </p:sld>
 </file>
 
-<file path=ppt/slides/slide58.xml><?xml version="1.0" encoding="utf-8"?>
+<file path=ppt/slides/slide57.xml><?xml version="1.0" encoding="utf-8"?>
 <p:sld xmlns:a="http://schemas.openxmlformats.org/drawingml/2006/main" xmlns:r="http://schemas.openxmlformats.org/officeDocument/2006/relationships" xmlns:p="http://schemas.openxmlformats.org/presentationml/2006/main">
   <p:cSld>
     <p:spTree>
@@ -43390,7 +42836,7 @@
 </p:sld>
 </file>
 
-<file path=ppt/slides/slide59.xml><?xml version="1.0" encoding="utf-8"?>
+<file path=ppt/slides/slide58.xml><?xml version="1.0" encoding="utf-8"?>
 <p:sld xmlns:a="http://schemas.openxmlformats.org/drawingml/2006/main" xmlns:r="http://schemas.openxmlformats.org/officeDocument/2006/relationships" xmlns:p="http://schemas.openxmlformats.org/presentationml/2006/main">
   <p:cSld>
     <p:spTree>
@@ -44947,70 +44393,7 @@
 </p:sld>
 </file>
 
-<file path=ppt/slides/slide6.xml><?xml version="1.0" encoding="utf-8"?>
-<p:sld xmlns:a="http://schemas.openxmlformats.org/drawingml/2006/main" xmlns:r="http://schemas.openxmlformats.org/officeDocument/2006/relationships" xmlns:p="http://schemas.openxmlformats.org/presentationml/2006/main">
-  <p:cSld>
-    <p:spTree>
-      <p:nvGrpSpPr>
-        <p:cNvPr id="1" name=""/>
-        <p:cNvGrpSpPr/>
-        <p:nvPr/>
-      </p:nvGrpSpPr>
-      <p:grpSpPr>
-        <a:xfrm>
-          <a:off x="0" y="0"/>
-          <a:ext cx="0" cy="0"/>
-          <a:chOff x="0" y="0"/>
-          <a:chExt cx="0" cy="0"/>
-        </a:xfrm>
-      </p:grpSpPr>
-      <p:pic>
-        <p:nvPicPr>
-          <p:cNvPr id="4" name="Picture 3">
-            <a:extLst>
-              <a:ext uri="{FF2B5EF4-FFF2-40B4-BE49-F238E27FC236}">
-                <a16:creationId xmlns:a16="http://schemas.microsoft.com/office/drawing/2014/main" id="{81ECDC94-1F80-84AF-1321-6774456A4511}"/>
-              </a:ext>
-            </a:extLst>
-          </p:cNvPr>
-          <p:cNvPicPr>
-            <a:picLocks noChangeAspect="1"/>
-          </p:cNvPicPr>
-          <p:nvPr/>
-        </p:nvPicPr>
-        <p:blipFill>
-          <a:blip r:embed="rId2"/>
-          <a:stretch>
-            <a:fillRect/>
-          </a:stretch>
-        </p:blipFill>
-        <p:spPr>
-          <a:xfrm>
-            <a:off x="1773559" y="500488"/>
-            <a:ext cx="8889356" cy="5684465"/>
-          </a:xfrm>
-          <a:prstGeom prst="rect">
-            <a:avLst/>
-          </a:prstGeom>
-        </p:spPr>
-      </p:pic>
-    </p:spTree>
-    <p:extLst>
-      <p:ext uri="{BB962C8B-B14F-4D97-AF65-F5344CB8AC3E}">
-        <p14:creationId xmlns:p14="http://schemas.microsoft.com/office/powerpoint/2010/main" val="2173442142"/>
-      </p:ext>
-    </p:extLst>
-  </p:cSld>
-  <p:clrMapOvr>
-    <a:masterClrMapping/>
-  </p:clrMapOvr>
-  <p:transition>
-    <p:fade/>
-  </p:transition>
-</p:sld>
-</file>
-
-<file path=ppt/slides/slide60.xml><?xml version="1.0" encoding="utf-8"?>
+<file path=ppt/slides/slide59.xml><?xml version="1.0" encoding="utf-8"?>
 <p:sld xmlns:a="http://schemas.openxmlformats.org/drawingml/2006/main" xmlns:r="http://schemas.openxmlformats.org/officeDocument/2006/relationships" xmlns:p="http://schemas.openxmlformats.org/presentationml/2006/main">
   <p:cSld>
     <p:spTree>
@@ -46227,7 +45610,70 @@
 </p:sld>
 </file>
 
-<file path=ppt/slides/slide61.xml><?xml version="1.0" encoding="utf-8"?>
+<file path=ppt/slides/slide6.xml><?xml version="1.0" encoding="utf-8"?>
+<p:sld xmlns:a="http://schemas.openxmlformats.org/drawingml/2006/main" xmlns:r="http://schemas.openxmlformats.org/officeDocument/2006/relationships" xmlns:p="http://schemas.openxmlformats.org/presentationml/2006/main">
+  <p:cSld>
+    <p:spTree>
+      <p:nvGrpSpPr>
+        <p:cNvPr id="1" name=""/>
+        <p:cNvGrpSpPr/>
+        <p:nvPr/>
+      </p:nvGrpSpPr>
+      <p:grpSpPr>
+        <a:xfrm>
+          <a:off x="0" y="0"/>
+          <a:ext cx="0" cy="0"/>
+          <a:chOff x="0" y="0"/>
+          <a:chExt cx="0" cy="0"/>
+        </a:xfrm>
+      </p:grpSpPr>
+      <p:pic>
+        <p:nvPicPr>
+          <p:cNvPr id="4" name="Picture 3">
+            <a:extLst>
+              <a:ext uri="{FF2B5EF4-FFF2-40B4-BE49-F238E27FC236}">
+                <a16:creationId xmlns:a16="http://schemas.microsoft.com/office/drawing/2014/main" id="{81ECDC94-1F80-84AF-1321-6774456A4511}"/>
+              </a:ext>
+            </a:extLst>
+          </p:cNvPr>
+          <p:cNvPicPr>
+            <a:picLocks noChangeAspect="1"/>
+          </p:cNvPicPr>
+          <p:nvPr/>
+        </p:nvPicPr>
+        <p:blipFill>
+          <a:blip r:embed="rId2"/>
+          <a:stretch>
+            <a:fillRect/>
+          </a:stretch>
+        </p:blipFill>
+        <p:spPr>
+          <a:xfrm>
+            <a:off x="1773559" y="500488"/>
+            <a:ext cx="8889356" cy="5684465"/>
+          </a:xfrm>
+          <a:prstGeom prst="rect">
+            <a:avLst/>
+          </a:prstGeom>
+        </p:spPr>
+      </p:pic>
+    </p:spTree>
+    <p:extLst>
+      <p:ext uri="{BB962C8B-B14F-4D97-AF65-F5344CB8AC3E}">
+        <p14:creationId xmlns:p14="http://schemas.microsoft.com/office/powerpoint/2010/main" val="2173442142"/>
+      </p:ext>
+    </p:extLst>
+  </p:cSld>
+  <p:clrMapOvr>
+    <a:masterClrMapping/>
+  </p:clrMapOvr>
+  <p:transition>
+    <p:fade/>
+  </p:transition>
+</p:sld>
+</file>
+
+<file path=ppt/slides/slide60.xml><?xml version="1.0" encoding="utf-8"?>
 <p:sld xmlns:a="http://schemas.openxmlformats.org/drawingml/2006/main" xmlns:r="http://schemas.openxmlformats.org/officeDocument/2006/relationships" xmlns:p="http://schemas.openxmlformats.org/presentationml/2006/main">
   <p:cSld>
     <p:spTree>
@@ -47789,7 +47235,7 @@
 </p:sld>
 </file>
 
-<file path=ppt/slides/slide62.xml><?xml version="1.0" encoding="utf-8"?>
+<file path=ppt/slides/slide61.xml><?xml version="1.0" encoding="utf-8"?>
 <p:sld xmlns:a="http://schemas.openxmlformats.org/drawingml/2006/main" xmlns:r="http://schemas.openxmlformats.org/officeDocument/2006/relationships" xmlns:p="http://schemas.openxmlformats.org/presentationml/2006/main">
   <p:cSld>
     <p:spTree>
